--- a/ECG_Arrhythmia_Capstone.pptx
+++ b/ECG_Arrhythmia_Capstone.pptx
@@ -5,7 +5,7 @@
     <p:sldMasterId id="2147483648" r:id="rId1"/>
   </p:sldMasterIdLst>
   <p:notesMasterIdLst>
-    <p:notesMasterId r:id="rId19"/>
+    <p:notesMasterId r:id="rId23"/>
   </p:notesMasterIdLst>
   <p:sldIdLst>
     <p:sldId id="256" r:id="rId2"/>
@@ -18,51 +18,55 @@
     <p:sldId id="294" r:id="rId9"/>
     <p:sldId id="312" r:id="rId10"/>
     <p:sldId id="266" r:id="rId11"/>
-    <p:sldId id="315" r:id="rId12"/>
-    <p:sldId id="298" r:id="rId13"/>
-    <p:sldId id="296" r:id="rId14"/>
-    <p:sldId id="317" r:id="rId15"/>
+    <p:sldId id="298" r:id="rId12"/>
+    <p:sldId id="296" r:id="rId13"/>
+    <p:sldId id="317" r:id="rId14"/>
+    <p:sldId id="318" r:id="rId15"/>
     <p:sldId id="319" r:id="rId16"/>
-    <p:sldId id="318" r:id="rId17"/>
-    <p:sldId id="316" r:id="rId18"/>
+    <p:sldId id="324" r:id="rId17"/>
+    <p:sldId id="320" r:id="rId18"/>
+    <p:sldId id="323" r:id="rId19"/>
+    <p:sldId id="321" r:id="rId20"/>
+    <p:sldId id="322" r:id="rId21"/>
+    <p:sldId id="316" r:id="rId22"/>
   </p:sldIdLst>
   <p:sldSz cx="12192000" cy="6858000"/>
   <p:notesSz cx="6858000" cy="9144000"/>
   <p:embeddedFontLst>
     <p:embeddedFont>
       <p:font typeface="Fira Sans Extra Condensed Medium" panose="020B0604020202020204" charset="0"/>
-      <p:regular r:id="rId20"/>
-      <p:bold r:id="rId21"/>
-      <p:italic r:id="rId22"/>
-      <p:boldItalic r:id="rId23"/>
-    </p:embeddedFont>
-    <p:embeddedFont>
-      <p:font typeface="Montserrat" panose="00000500000000000000" pitchFamily="2" charset="0"/>
       <p:regular r:id="rId24"/>
       <p:bold r:id="rId25"/>
       <p:italic r:id="rId26"/>
       <p:boldItalic r:id="rId27"/>
     </p:embeddedFont>
     <p:embeddedFont>
-      <p:font typeface="Montserrat Medium" panose="00000600000000000000" pitchFamily="2" charset="0"/>
+      <p:font typeface="Montserrat" panose="00000500000000000000" pitchFamily="2" charset="0"/>
       <p:regular r:id="rId28"/>
       <p:bold r:id="rId29"/>
       <p:italic r:id="rId30"/>
       <p:boldItalic r:id="rId31"/>
     </p:embeddedFont>
     <p:embeddedFont>
-      <p:font typeface="Poppins" panose="00000500000000000000" pitchFamily="2" charset="0"/>
+      <p:font typeface="Montserrat Medium" panose="00000600000000000000" pitchFamily="2" charset="0"/>
       <p:regular r:id="rId32"/>
       <p:bold r:id="rId33"/>
       <p:italic r:id="rId34"/>
       <p:boldItalic r:id="rId35"/>
     </p:embeddedFont>
     <p:embeddedFont>
-      <p:font typeface="Verdana" panose="020B0604030504040204" pitchFamily="34" charset="0"/>
+      <p:font typeface="Poppins" panose="00000500000000000000" pitchFamily="2" charset="0"/>
       <p:regular r:id="rId36"/>
       <p:bold r:id="rId37"/>
       <p:italic r:id="rId38"/>
       <p:boldItalic r:id="rId39"/>
+    </p:embeddedFont>
+    <p:embeddedFont>
+      <p:font typeface="Verdana" panose="020B0604030504040204" pitchFamily="34" charset="0"/>
+      <p:regular r:id="rId40"/>
+      <p:bold r:id="rId41"/>
+      <p:italic r:id="rId42"/>
+      <p:boldItalic r:id="rId43"/>
     </p:embeddedFont>
   </p:embeddedFontLst>
   <p:defaultTextStyle>
@@ -299,7 +303,7 @@
       <p15:sldGuideLst xmlns:p15="http://schemas.microsoft.com/office/powerpoint/2012/main"/>
     </p:ext>
     <p:ext uri="GoogleSlidesCustomDataVersion2">
-      <go:slidesCustomData xmlns="" xmlns:mc="http://schemas.openxmlformats.org/markup-compatibility/2006" xmlns:mv="urn:schemas-microsoft-com:mac:vml" xmlns:c="http://schemas.openxmlformats.org/drawingml/2006/chart" xmlns:dgm="http://schemas.openxmlformats.org/drawingml/2006/diagram" xmlns:o="urn:schemas-microsoft-com:office:office" xmlns:v="urn:schemas-microsoft-com:vml" xmlns:pvml="urn:schemas-microsoft-com:office:powerpoint" xmlns:com="http://schemas.openxmlformats.org/drawingml/2006/compatibility" xmlns:p14="http://schemas.microsoft.com/office/powerpoint/2010/main" xmlns:p15="http://schemas.microsoft.com/office/powerpoint/2012/main" xmlns:ahyp="http://schemas.microsoft.com/office/drawing/2018/hyperlinkcolor" xmlns:go="http://customooxmlschemas.google.com/" r:id="rId44" roundtripDataSignature="AMtx7mgzBJLxcvjvx6joxQV1xTs+4JFvOQ=="/>
+      <go:slidesCustomData xmlns:go="http://customooxmlschemas.google.com/" xmlns:ahyp="http://schemas.microsoft.com/office/drawing/2018/hyperlinkcolor" xmlns:p15="http://schemas.microsoft.com/office/powerpoint/2012/main" xmlns:p14="http://schemas.microsoft.com/office/powerpoint/2010/main" xmlns:com="http://schemas.openxmlformats.org/drawingml/2006/compatibility" xmlns:pvml="urn:schemas-microsoft-com:office:powerpoint" xmlns:v="urn:schemas-microsoft-com:vml" xmlns:o="urn:schemas-microsoft-com:office:office" xmlns:dgm="http://schemas.openxmlformats.org/drawingml/2006/diagram" xmlns:c="http://schemas.openxmlformats.org/drawingml/2006/chart" xmlns:mv="urn:schemas-microsoft-com:mac:vml" xmlns:mc="http://schemas.openxmlformats.org/markup-compatibility/2006" xmlns="" r:id="rId44" roundtripDataSignature="AMtx7mgzBJLxcvjvx6joxQV1xTs+4JFvOQ=="/>
     </p:ext>
   </p:extLst>
 </p:presentation>
@@ -1880,133 +1884,6 @@
 </p:notes>
 </file>
 
-<file path=ppt/notesSlides/notesSlide10.xml><?xml version="1.0" encoding="utf-8"?>
-<p:notes xmlns:a="http://schemas.openxmlformats.org/drawingml/2006/main" xmlns:r="http://schemas.openxmlformats.org/officeDocument/2006/relationships" xmlns:p="http://schemas.openxmlformats.org/presentationml/2006/main" showMasterSp="0" showMasterPhAnim="0">
-  <p:cSld>
-    <p:spTree>
-      <p:nvGrpSpPr>
-        <p:cNvPr id="1" name="Shape 226"/>
-        <p:cNvGrpSpPr/>
-        <p:nvPr/>
-      </p:nvGrpSpPr>
-      <p:grpSpPr>
-        <a:xfrm>
-          <a:off x="0" y="0"/>
-          <a:ext cx="0" cy="0"/>
-          <a:chOff x="0" y="0"/>
-          <a:chExt cx="0" cy="0"/>
-        </a:xfrm>
-      </p:grpSpPr>
-      <p:sp>
-        <p:nvSpPr>
-          <p:cNvPr id="227" name="Google Shape;227;p35:notes"/>
-          <p:cNvSpPr txBox="1">
-            <a:spLocks noGrp="1"/>
-          </p:cNvSpPr>
-          <p:nvPr>
-            <p:ph type="body" idx="1"/>
-          </p:nvPr>
-        </p:nvSpPr>
-        <p:spPr>
-          <a:xfrm>
-            <a:off x="685800" y="4400550"/>
-            <a:ext cx="5486400" cy="3600450"/>
-          </a:xfrm>
-          <a:prstGeom prst="rect">
-            <a:avLst/>
-          </a:prstGeom>
-          <a:noFill/>
-          <a:ln>
-            <a:noFill/>
-          </a:ln>
-        </p:spPr>
-        <p:txBody>
-          <a:bodyPr spcFirstLastPara="1" wrap="square" lIns="91425" tIns="45700" rIns="91425" bIns="45700" anchor="t" anchorCtr="0">
-            <a:noAutofit/>
-          </a:bodyPr>
-          <a:lstStyle/>
-          <a:p>
-            <a:pPr marL="0" lvl="0" indent="0" algn="l" rtl="0">
-              <a:lnSpc>
-                <a:spcPct val="100000"/>
-              </a:lnSpc>
-              <a:spcBef>
-                <a:spcPts val="0"/>
-              </a:spcBef>
-              <a:spcAft>
-                <a:spcPts val="0"/>
-              </a:spcAft>
-              <a:buSzPts val="1400"/>
-              <a:buNone/>
-            </a:pPr>
-            <a:endParaRPr/>
-          </a:p>
-        </p:txBody>
-      </p:sp>
-      <p:sp>
-        <p:nvSpPr>
-          <p:cNvPr id="228" name="Google Shape;228;p35:notes"/>
-          <p:cNvSpPr>
-            <a:spLocks noGrp="1" noRot="1" noChangeAspect="1"/>
-          </p:cNvSpPr>
-          <p:nvPr>
-            <p:ph type="sldImg" idx="2"/>
-          </p:nvPr>
-        </p:nvSpPr>
-        <p:spPr>
-          <a:xfrm>
-            <a:off x="685800" y="1143000"/>
-            <a:ext cx="5486400" cy="3086100"/>
-          </a:xfrm>
-          <a:custGeom>
-            <a:avLst/>
-            <a:gdLst/>
-            <a:ahLst/>
-            <a:cxnLst/>
-            <a:rect l="l" t="t" r="r" b="b"/>
-            <a:pathLst>
-              <a:path w="120000" h="120000" extrusionOk="0">
-                <a:moveTo>
-                  <a:pt x="0" y="0"/>
-                </a:moveTo>
-                <a:lnTo>
-                  <a:pt x="120000" y="0"/>
-                </a:lnTo>
-                <a:lnTo>
-                  <a:pt x="120000" y="120000"/>
-                </a:lnTo>
-                <a:lnTo>
-                  <a:pt x="0" y="120000"/>
-                </a:lnTo>
-                <a:close/>
-              </a:path>
-            </a:pathLst>
-          </a:custGeom>
-          <a:noFill/>
-          <a:ln w="12700" cap="flat" cmpd="sng">
-            <a:solidFill>
-              <a:srgbClr val="000000"/>
-            </a:solidFill>
-            <a:prstDash val="solid"/>
-            <a:round/>
-            <a:headEnd type="none" w="sm" len="sm"/>
-            <a:tailEnd type="none" w="sm" len="sm"/>
-          </a:ln>
-        </p:spPr>
-      </p:sp>
-    </p:spTree>
-    <p:extLst>
-      <p:ext uri="{BB962C8B-B14F-4D97-AF65-F5344CB8AC3E}">
-        <p14:creationId xmlns:p14="http://schemas.microsoft.com/office/powerpoint/2010/main" val="4133986232"/>
-      </p:ext>
-    </p:extLst>
-  </p:cSld>
-  <p:clrMapOvr>
-    <a:masterClrMapping/>
-  </p:clrMapOvr>
-</p:notes>
-</file>
-
 <file path=ppt/notesSlides/notesSlide2.xml><?xml version="1.0" encoding="utf-8"?>
 <p:notes xmlns:a="http://schemas.openxmlformats.org/drawingml/2006/main" xmlns:r="http://schemas.openxmlformats.org/officeDocument/2006/relationships" xmlns:p="http://schemas.openxmlformats.org/presentationml/2006/main" showMasterSp="0" showMasterPhAnim="0">
   <p:cSld>
@@ -2894,134 +2771,7 @@
     </p:spTree>
     <p:extLst>
       <p:ext uri="{BB962C8B-B14F-4D97-AF65-F5344CB8AC3E}">
-        <p14:creationId xmlns:p14="http://schemas.microsoft.com/office/powerpoint/2010/main" val="3080061605"/>
-      </p:ext>
-    </p:extLst>
-  </p:cSld>
-  <p:clrMapOvr>
-    <a:masterClrMapping/>
-  </p:clrMapOvr>
-</p:notes>
-</file>
-
-<file path=ppt/notesSlides/notesSlide9.xml><?xml version="1.0" encoding="utf-8"?>
-<p:notes xmlns:a="http://schemas.openxmlformats.org/drawingml/2006/main" xmlns:r="http://schemas.openxmlformats.org/officeDocument/2006/relationships" xmlns:p="http://schemas.openxmlformats.org/presentationml/2006/main" showMasterSp="0" showMasterPhAnim="0">
-  <p:cSld>
-    <p:spTree>
-      <p:nvGrpSpPr>
-        <p:cNvPr id="1" name="Shape 83"/>
-        <p:cNvGrpSpPr/>
-        <p:nvPr/>
-      </p:nvGrpSpPr>
-      <p:grpSpPr>
-        <a:xfrm>
-          <a:off x="0" y="0"/>
-          <a:ext cx="0" cy="0"/>
-          <a:chOff x="0" y="0"/>
-          <a:chExt cx="0" cy="0"/>
-        </a:xfrm>
-      </p:grpSpPr>
-      <p:sp>
-        <p:nvSpPr>
-          <p:cNvPr id="84" name="Google Shape;84;p1:notes"/>
-          <p:cNvSpPr txBox="1">
-            <a:spLocks noGrp="1"/>
-          </p:cNvSpPr>
-          <p:nvPr>
-            <p:ph type="body" idx="1"/>
-          </p:nvPr>
-        </p:nvSpPr>
-        <p:spPr>
-          <a:xfrm>
-            <a:off x="685800" y="4400550"/>
-            <a:ext cx="5486400" cy="3600450"/>
-          </a:xfrm>
-          <a:prstGeom prst="rect">
-            <a:avLst/>
-          </a:prstGeom>
-          <a:noFill/>
-          <a:ln>
-            <a:noFill/>
-          </a:ln>
-        </p:spPr>
-        <p:txBody>
-          <a:bodyPr spcFirstLastPara="1" wrap="square" lIns="91425" tIns="45700" rIns="91425" bIns="45700" anchor="t" anchorCtr="0">
-            <a:noAutofit/>
-          </a:bodyPr>
-          <a:lstStyle/>
-          <a:p>
-            <a:pPr marL="0" lvl="0" indent="0" algn="l" rtl="0">
-              <a:lnSpc>
-                <a:spcPct val="100000"/>
-              </a:lnSpc>
-              <a:spcBef>
-                <a:spcPts val="0"/>
-              </a:spcBef>
-              <a:spcAft>
-                <a:spcPts val="0"/>
-              </a:spcAft>
-              <a:buSzPts val="1400"/>
-              <a:buNone/>
-            </a:pPr>
-            <a:endParaRPr/>
-          </a:p>
-        </p:txBody>
-      </p:sp>
-      <p:sp>
-        <p:nvSpPr>
-          <p:cNvPr id="85" name="Google Shape;85;p1:notes"/>
-          <p:cNvSpPr>
-            <a:spLocks noGrp="1" noRot="1" noChangeAspect="1"/>
-          </p:cNvSpPr>
-          <p:nvPr>
-            <p:ph type="sldImg" idx="2"/>
-          </p:nvPr>
-        </p:nvSpPr>
-        <p:spPr>
-          <a:xfrm>
-            <a:off x="685800" y="1143000"/>
-            <a:ext cx="5486400" cy="3086100"/>
-          </a:xfrm>
-          <a:custGeom>
-            <a:avLst/>
-            <a:gdLst/>
-            <a:ahLst/>
-            <a:cxnLst/>
-            <a:rect l="l" t="t" r="r" b="b"/>
-            <a:pathLst>
-              <a:path w="120000" h="120000" extrusionOk="0">
-                <a:moveTo>
-                  <a:pt x="0" y="0"/>
-                </a:moveTo>
-                <a:lnTo>
-                  <a:pt x="120000" y="0"/>
-                </a:lnTo>
-                <a:lnTo>
-                  <a:pt x="120000" y="120000"/>
-                </a:lnTo>
-                <a:lnTo>
-                  <a:pt x="0" y="120000"/>
-                </a:lnTo>
-                <a:close/>
-              </a:path>
-            </a:pathLst>
-          </a:custGeom>
-          <a:noFill/>
-          <a:ln w="12700" cap="flat" cmpd="sng">
-            <a:solidFill>
-              <a:srgbClr val="000000"/>
-            </a:solidFill>
-            <a:prstDash val="solid"/>
-            <a:round/>
-            <a:headEnd type="none" w="sm" len="sm"/>
-            <a:tailEnd type="none" w="sm" len="sm"/>
-          </a:ln>
-        </p:spPr>
-      </p:sp>
-    </p:spTree>
-    <p:extLst>
-      <p:ext uri="{BB962C8B-B14F-4D97-AF65-F5344CB8AC3E}">
-        <p14:creationId xmlns:p14="http://schemas.microsoft.com/office/powerpoint/2010/main" val="3421995743"/>
+        <p14:creationId xmlns:p14="http://schemas.microsoft.com/office/powerpoint/2010/main" val="4133986232"/>
       </p:ext>
     </p:extLst>
   </p:cSld>
@@ -17158,629 +16908,6 @@
   <p:cSld>
     <p:spTree>
       <p:nvGrpSpPr>
-        <p:cNvPr id="1" name="Shape 229"/>
-        <p:cNvGrpSpPr/>
-        <p:nvPr/>
-      </p:nvGrpSpPr>
-      <p:grpSpPr>
-        <a:xfrm>
-          <a:off x="0" y="0"/>
-          <a:ext cx="0" cy="0"/>
-          <a:chOff x="0" y="0"/>
-          <a:chExt cx="0" cy="0"/>
-        </a:xfrm>
-      </p:grpSpPr>
-      <p:pic>
-        <p:nvPicPr>
-          <p:cNvPr id="231" name="Google Shape;231;p35"/>
-          <p:cNvPicPr preferRelativeResize="0"/>
-          <p:nvPr/>
-        </p:nvPicPr>
-        <p:blipFill rotWithShape="1">
-          <a:blip r:embed="rId3">
-            <a:alphaModFix/>
-          </a:blip>
-          <a:srcRect l="22326" t="32664" r="11837" b="35102"/>
-          <a:stretch/>
-        </p:blipFill>
-        <p:spPr>
-          <a:xfrm>
-            <a:off x="262467" y="258234"/>
-            <a:ext cx="1504951" cy="423333"/>
-          </a:xfrm>
-          <a:prstGeom prst="rect">
-            <a:avLst/>
-          </a:prstGeom>
-          <a:noFill/>
-          <a:ln>
-            <a:noFill/>
-          </a:ln>
-        </p:spPr>
-      </p:pic>
-      <p:grpSp>
-        <p:nvGrpSpPr>
-          <p:cNvPr id="232" name="Google Shape;232;p35"/>
-          <p:cNvGrpSpPr/>
-          <p:nvPr/>
-        </p:nvGrpSpPr>
-        <p:grpSpPr>
-          <a:xfrm>
-            <a:off x="11856720" y="1182857"/>
-            <a:ext cx="223520" cy="990718"/>
-            <a:chOff x="11856720" y="140636"/>
-            <a:chExt cx="223520" cy="990718"/>
-          </a:xfrm>
-        </p:grpSpPr>
-        <p:grpSp>
-          <p:nvGrpSpPr>
-            <p:cNvPr id="233" name="Google Shape;233;p35"/>
-            <p:cNvGrpSpPr/>
-            <p:nvPr/>
-          </p:nvGrpSpPr>
-          <p:grpSpPr>
-            <a:xfrm>
-              <a:off x="11856720" y="660278"/>
-              <a:ext cx="223520" cy="471076"/>
-              <a:chOff x="9734551" y="3138055"/>
-              <a:chExt cx="2457449" cy="1328450"/>
-            </a:xfrm>
-          </p:grpSpPr>
-          <p:sp>
-            <p:nvSpPr>
-              <p:cNvPr id="234" name="Google Shape;234;p35"/>
-              <p:cNvSpPr/>
-              <p:nvPr/>
-            </p:nvSpPr>
-            <p:spPr>
-              <a:xfrm>
-                <a:off x="9759949" y="3870759"/>
-                <a:ext cx="2432051" cy="595746"/>
-              </a:xfrm>
-              <a:prstGeom prst="rect">
-                <a:avLst/>
-              </a:prstGeom>
-              <a:solidFill>
-                <a:srgbClr val="E12730"/>
-              </a:solidFill>
-              <a:ln>
-                <a:noFill/>
-              </a:ln>
-            </p:spPr>
-            <p:txBody>
-              <a:bodyPr spcFirstLastPara="1" wrap="square" lIns="91425" tIns="45700" rIns="91425" bIns="45700" anchor="ctr" anchorCtr="0">
-                <a:noAutofit/>
-              </a:bodyPr>
-              <a:lstStyle/>
-              <a:p>
-                <a:pPr marL="0" marR="0" lvl="0" indent="0" algn="ctr" rtl="0">
-                  <a:lnSpc>
-                    <a:spcPct val="100000"/>
-                  </a:lnSpc>
-                  <a:spcBef>
-                    <a:spcPts val="0"/>
-                  </a:spcBef>
-                  <a:spcAft>
-                    <a:spcPts val="0"/>
-                  </a:spcAft>
-                  <a:buClr>
-                    <a:srgbClr val="000000"/>
-                  </a:buClr>
-                  <a:buSzPts val="1351"/>
-                  <a:buFont typeface="Arial"/>
-                  <a:buNone/>
-                </a:pPr>
-                <a:endParaRPr sz="1351" b="0" i="0" u="none" strike="noStrike" cap="none">
-                  <a:solidFill>
-                    <a:schemeClr val="lt1"/>
-                  </a:solidFill>
-                  <a:latin typeface="Calibri"/>
-                  <a:ea typeface="Calibri"/>
-                  <a:cs typeface="Calibri"/>
-                  <a:sym typeface="Calibri"/>
-                </a:endParaRPr>
-              </a:p>
-            </p:txBody>
-          </p:sp>
-          <p:sp>
-            <p:nvSpPr>
-              <p:cNvPr id="235" name="Google Shape;235;p35"/>
-              <p:cNvSpPr/>
-              <p:nvPr/>
-            </p:nvSpPr>
-            <p:spPr>
-              <a:xfrm>
-                <a:off x="9734551" y="3138055"/>
-                <a:ext cx="2457449" cy="595746"/>
-              </a:xfrm>
-              <a:prstGeom prst="rect">
-                <a:avLst/>
-              </a:prstGeom>
-              <a:solidFill>
-                <a:srgbClr val="51C6E7"/>
-              </a:solidFill>
-              <a:ln>
-                <a:noFill/>
-              </a:ln>
-            </p:spPr>
-            <p:txBody>
-              <a:bodyPr spcFirstLastPara="1" wrap="square" lIns="91425" tIns="45700" rIns="91425" bIns="45700" anchor="ctr" anchorCtr="0">
-                <a:noAutofit/>
-              </a:bodyPr>
-              <a:lstStyle/>
-              <a:p>
-                <a:pPr marL="0" marR="0" lvl="0" indent="0" algn="ctr" rtl="0">
-                  <a:lnSpc>
-                    <a:spcPct val="100000"/>
-                  </a:lnSpc>
-                  <a:spcBef>
-                    <a:spcPts val="0"/>
-                  </a:spcBef>
-                  <a:spcAft>
-                    <a:spcPts val="0"/>
-                  </a:spcAft>
-                  <a:buClr>
-                    <a:srgbClr val="000000"/>
-                  </a:buClr>
-                  <a:buSzPts val="1351"/>
-                  <a:buFont typeface="Arial"/>
-                  <a:buNone/>
-                </a:pPr>
-                <a:endParaRPr sz="1351" b="0" i="0" u="none" strike="noStrike" cap="none">
-                  <a:solidFill>
-                    <a:schemeClr val="lt1"/>
-                  </a:solidFill>
-                  <a:latin typeface="Calibri"/>
-                  <a:ea typeface="Calibri"/>
-                  <a:cs typeface="Calibri"/>
-                  <a:sym typeface="Calibri"/>
-                </a:endParaRPr>
-              </a:p>
-            </p:txBody>
-          </p:sp>
-        </p:grpSp>
-        <p:grpSp>
-          <p:nvGrpSpPr>
-            <p:cNvPr id="236" name="Google Shape;236;p35"/>
-            <p:cNvGrpSpPr/>
-            <p:nvPr/>
-          </p:nvGrpSpPr>
-          <p:grpSpPr>
-            <a:xfrm>
-              <a:off x="11856720" y="140636"/>
-              <a:ext cx="223520" cy="471076"/>
-              <a:chOff x="9734551" y="3138055"/>
-              <a:chExt cx="2457449" cy="1328450"/>
-            </a:xfrm>
-          </p:grpSpPr>
-          <p:sp>
-            <p:nvSpPr>
-              <p:cNvPr id="237" name="Google Shape;237;p35"/>
-              <p:cNvSpPr/>
-              <p:nvPr/>
-            </p:nvSpPr>
-            <p:spPr>
-              <a:xfrm>
-                <a:off x="9759949" y="3870759"/>
-                <a:ext cx="2432051" cy="595746"/>
-              </a:xfrm>
-              <a:prstGeom prst="rect">
-                <a:avLst/>
-              </a:prstGeom>
-              <a:solidFill>
-                <a:srgbClr val="F7A54B"/>
-              </a:solidFill>
-              <a:ln>
-                <a:noFill/>
-              </a:ln>
-            </p:spPr>
-            <p:txBody>
-              <a:bodyPr spcFirstLastPara="1" wrap="square" lIns="91425" tIns="45700" rIns="91425" bIns="45700" anchor="ctr" anchorCtr="0">
-                <a:noAutofit/>
-              </a:bodyPr>
-              <a:lstStyle/>
-              <a:p>
-                <a:pPr marL="0" marR="0" lvl="0" indent="0" algn="ctr" rtl="0">
-                  <a:lnSpc>
-                    <a:spcPct val="100000"/>
-                  </a:lnSpc>
-                  <a:spcBef>
-                    <a:spcPts val="0"/>
-                  </a:spcBef>
-                  <a:spcAft>
-                    <a:spcPts val="0"/>
-                  </a:spcAft>
-                  <a:buClr>
-                    <a:srgbClr val="000000"/>
-                  </a:buClr>
-                  <a:buSzPts val="1351"/>
-                  <a:buFont typeface="Arial"/>
-                  <a:buNone/>
-                </a:pPr>
-                <a:endParaRPr sz="1351" b="0" i="0" u="none" strike="noStrike" cap="none">
-                  <a:solidFill>
-                    <a:schemeClr val="lt1"/>
-                  </a:solidFill>
-                  <a:latin typeface="Calibri"/>
-                  <a:ea typeface="Calibri"/>
-                  <a:cs typeface="Calibri"/>
-                  <a:sym typeface="Calibri"/>
-                </a:endParaRPr>
-              </a:p>
-            </p:txBody>
-          </p:sp>
-          <p:sp>
-            <p:nvSpPr>
-              <p:cNvPr id="238" name="Google Shape;238;p35"/>
-              <p:cNvSpPr/>
-              <p:nvPr/>
-            </p:nvSpPr>
-            <p:spPr>
-              <a:xfrm>
-                <a:off x="9734551" y="3138055"/>
-                <a:ext cx="2457449" cy="595746"/>
-              </a:xfrm>
-              <a:prstGeom prst="rect">
-                <a:avLst/>
-              </a:prstGeom>
-              <a:solidFill>
-                <a:srgbClr val="3A3A70"/>
-              </a:solidFill>
-              <a:ln>
-                <a:noFill/>
-              </a:ln>
-            </p:spPr>
-            <p:txBody>
-              <a:bodyPr spcFirstLastPara="1" wrap="square" lIns="91425" tIns="45700" rIns="91425" bIns="45700" anchor="ctr" anchorCtr="0">
-                <a:noAutofit/>
-              </a:bodyPr>
-              <a:lstStyle/>
-              <a:p>
-                <a:pPr marL="0" marR="0" lvl="0" indent="0" algn="ctr" rtl="0">
-                  <a:lnSpc>
-                    <a:spcPct val="100000"/>
-                  </a:lnSpc>
-                  <a:spcBef>
-                    <a:spcPts val="0"/>
-                  </a:spcBef>
-                  <a:spcAft>
-                    <a:spcPts val="0"/>
-                  </a:spcAft>
-                  <a:buClr>
-                    <a:srgbClr val="000000"/>
-                  </a:buClr>
-                  <a:buSzPts val="1351"/>
-                  <a:buFont typeface="Arial"/>
-                  <a:buNone/>
-                </a:pPr>
-                <a:endParaRPr sz="1351" b="0" i="0" u="none" strike="noStrike" cap="none">
-                  <a:solidFill>
-                    <a:schemeClr val="lt1"/>
-                  </a:solidFill>
-                  <a:latin typeface="Calibri"/>
-                  <a:ea typeface="Calibri"/>
-                  <a:cs typeface="Calibri"/>
-                  <a:sym typeface="Calibri"/>
-                </a:endParaRPr>
-              </a:p>
-            </p:txBody>
-          </p:sp>
-        </p:grpSp>
-      </p:grpSp>
-      <p:sp>
-        <p:nvSpPr>
-          <p:cNvPr id="2" name="TextBox 1">
-            <a:extLst>
-              <a:ext uri="{FF2B5EF4-FFF2-40B4-BE49-F238E27FC236}">
-                <a16:creationId xmlns:a16="http://schemas.microsoft.com/office/drawing/2014/main" id="{D421C120-29C7-CAD0-79EA-5A41816F100D}"/>
-              </a:ext>
-            </a:extLst>
-          </p:cNvPr>
-          <p:cNvSpPr txBox="1"/>
-          <p:nvPr/>
-        </p:nvSpPr>
-        <p:spPr>
-          <a:xfrm>
-            <a:off x="650449" y="857839"/>
-            <a:ext cx="1840568" cy="461665"/>
-          </a:xfrm>
-          <a:prstGeom prst="rect">
-            <a:avLst/>
-          </a:prstGeom>
-          <a:noFill/>
-        </p:spPr>
-        <p:txBody>
-          <a:bodyPr wrap="none" rtlCol="0">
-            <a:spAutoFit/>
-          </a:bodyPr>
-          <a:lstStyle/>
-          <a:p>
-            <a:r>
-              <a:rPr lang="en-IN" sz="2400" dirty="0">
-                <a:latin typeface="Times New Roman" panose="02020603050405020304" pitchFamily="18" charset="0"/>
-                <a:cs typeface="Times New Roman" panose="02020603050405020304" pitchFamily="18" charset="0"/>
-              </a:rPr>
-              <a:t>Applications:</a:t>
-            </a:r>
-          </a:p>
-        </p:txBody>
-      </p:sp>
-      <p:pic>
-        <p:nvPicPr>
-          <p:cNvPr id="1026" name="Picture 2" descr="amiciCare Wireless ECG Monitor, Portable EKG Real-Time Heart Health  Monitoring with OLED Display, Data Export Feature with Mobile App Monitoring  and Type-C Charging : Amazon.in: Health &amp; Personal Care">
-            <a:extLst>
-              <a:ext uri="{FF2B5EF4-FFF2-40B4-BE49-F238E27FC236}">
-                <a16:creationId xmlns:a16="http://schemas.microsoft.com/office/drawing/2014/main" id="{77A4ED39-353F-B2AB-5E73-F0984E997F45}"/>
-              </a:ext>
-            </a:extLst>
-          </p:cNvPr>
-          <p:cNvPicPr>
-            <a:picLocks noChangeAspect="1" noChangeArrowheads="1"/>
-          </p:cNvPicPr>
-          <p:nvPr/>
-        </p:nvPicPr>
-        <p:blipFill>
-          <a:blip r:embed="rId4">
-            <a:extLst>
-              <a:ext uri="{28A0092B-C50C-407E-A947-70E740481C1C}">
-                <a14:useLocalDpi xmlns:a14="http://schemas.microsoft.com/office/drawing/2010/main" val="0"/>
-              </a:ext>
-            </a:extLst>
-          </a:blip>
-          <a:srcRect/>
-          <a:stretch>
-            <a:fillRect/>
-          </a:stretch>
-        </p:blipFill>
-        <p:spPr bwMode="auto">
-          <a:xfrm>
-            <a:off x="745029" y="1306283"/>
-            <a:ext cx="2707081" cy="2671828"/>
-          </a:xfrm>
-          <a:prstGeom prst="rect">
-            <a:avLst/>
-          </a:prstGeom>
-          <a:noFill/>
-          <a:extLst>
-            <a:ext uri="{909E8E84-426E-40DD-AFC4-6F175D3DCCD1}">
-              <a14:hiddenFill xmlns:a14="http://schemas.microsoft.com/office/drawing/2010/main">
-                <a:solidFill>
-                  <a:srgbClr val="FFFFFF"/>
-                </a:solidFill>
-              </a14:hiddenFill>
-            </a:ext>
-          </a:extLst>
-        </p:spPr>
-      </p:pic>
-      <p:pic>
-        <p:nvPicPr>
-          <p:cNvPr id="1028" name="Picture 4" descr="Low-Cost Telemedicine Platform for Monitoring Patients Suspected of Being  Infected with SAR-COV-2 | SpringerLink">
-            <a:extLst>
-              <a:ext uri="{FF2B5EF4-FFF2-40B4-BE49-F238E27FC236}">
-                <a16:creationId xmlns:a16="http://schemas.microsoft.com/office/drawing/2014/main" id="{78D79E23-0DDC-CCC9-2F48-433E927351F4}"/>
-              </a:ext>
-            </a:extLst>
-          </p:cNvPr>
-          <p:cNvPicPr>
-            <a:picLocks noChangeAspect="1" noChangeArrowheads="1"/>
-          </p:cNvPicPr>
-          <p:nvPr/>
-        </p:nvPicPr>
-        <p:blipFill>
-          <a:blip r:embed="rId5">
-            <a:extLst>
-              <a:ext uri="{28A0092B-C50C-407E-A947-70E740481C1C}">
-                <a14:useLocalDpi xmlns:a14="http://schemas.microsoft.com/office/drawing/2010/main" val="0"/>
-              </a:ext>
-            </a:extLst>
-          </a:blip>
-          <a:srcRect/>
-          <a:stretch>
-            <a:fillRect/>
-          </a:stretch>
-        </p:blipFill>
-        <p:spPr bwMode="auto">
-          <a:xfrm>
-            <a:off x="4087555" y="1288484"/>
-            <a:ext cx="4016890" cy="2070018"/>
-          </a:xfrm>
-          <a:prstGeom prst="rect">
-            <a:avLst/>
-          </a:prstGeom>
-          <a:noFill/>
-          <a:extLst>
-            <a:ext uri="{909E8E84-426E-40DD-AFC4-6F175D3DCCD1}">
-              <a14:hiddenFill xmlns:a14="http://schemas.microsoft.com/office/drawing/2010/main">
-                <a:solidFill>
-                  <a:srgbClr val="FFFFFF"/>
-                </a:solidFill>
-              </a14:hiddenFill>
-            </a:ext>
-          </a:extLst>
-        </p:spPr>
-      </p:pic>
-      <p:pic>
-        <p:nvPicPr>
-          <p:cNvPr id="1030" name="Picture 6" descr="6 Best ECG Monitors for Personal Use in 2024">
-            <a:extLst>
-              <a:ext uri="{FF2B5EF4-FFF2-40B4-BE49-F238E27FC236}">
-                <a16:creationId xmlns:a16="http://schemas.microsoft.com/office/drawing/2014/main" id="{98B8127E-5B8F-1FE0-08D7-80914A066C03}"/>
-              </a:ext>
-            </a:extLst>
-          </p:cNvPr>
-          <p:cNvPicPr>
-            <a:picLocks noChangeAspect="1" noChangeArrowheads="1"/>
-          </p:cNvPicPr>
-          <p:nvPr/>
-        </p:nvPicPr>
-        <p:blipFill>
-          <a:blip r:embed="rId6">
-            <a:extLst>
-              <a:ext uri="{28A0092B-C50C-407E-A947-70E740481C1C}">
-                <a14:useLocalDpi xmlns:a14="http://schemas.microsoft.com/office/drawing/2010/main" val="0"/>
-              </a:ext>
-            </a:extLst>
-          </a:blip>
-          <a:srcRect/>
-          <a:stretch>
-            <a:fillRect/>
-          </a:stretch>
-        </p:blipFill>
-        <p:spPr bwMode="auto">
-          <a:xfrm>
-            <a:off x="8625887" y="1182857"/>
-            <a:ext cx="2707081" cy="2658607"/>
-          </a:xfrm>
-          <a:prstGeom prst="rect">
-            <a:avLst/>
-          </a:prstGeom>
-          <a:noFill/>
-          <a:extLst>
-            <a:ext uri="{909E8E84-426E-40DD-AFC4-6F175D3DCCD1}">
-              <a14:hiddenFill xmlns:a14="http://schemas.microsoft.com/office/drawing/2010/main">
-                <a:solidFill>
-                  <a:srgbClr val="FFFFFF"/>
-                </a:solidFill>
-              </a14:hiddenFill>
-            </a:ext>
-          </a:extLst>
-        </p:spPr>
-      </p:pic>
-      <p:sp>
-        <p:nvSpPr>
-          <p:cNvPr id="3" name="TextBox 2">
-            <a:extLst>
-              <a:ext uri="{FF2B5EF4-FFF2-40B4-BE49-F238E27FC236}">
-                <a16:creationId xmlns:a16="http://schemas.microsoft.com/office/drawing/2014/main" id="{CAF419A8-8CC5-817F-A802-FA36BEF35C02}"/>
-              </a:ext>
-            </a:extLst>
-          </p:cNvPr>
-          <p:cNvSpPr txBox="1"/>
-          <p:nvPr/>
-        </p:nvSpPr>
-        <p:spPr>
-          <a:xfrm>
-            <a:off x="745029" y="4279769"/>
-            <a:ext cx="2707081" cy="707886"/>
-          </a:xfrm>
-          <a:prstGeom prst="rect">
-            <a:avLst/>
-          </a:prstGeom>
-          <a:noFill/>
-        </p:spPr>
-        <p:txBody>
-          <a:bodyPr wrap="square" rtlCol="0">
-            <a:spAutoFit/>
-          </a:bodyPr>
-          <a:lstStyle/>
-          <a:p>
-            <a:r>
-              <a:rPr lang="en-US" sz="2000" dirty="0">
-                <a:latin typeface="Times New Roman" panose="02020603050405020304" pitchFamily="18" charset="0"/>
-                <a:cs typeface="Times New Roman" panose="02020603050405020304" pitchFamily="18" charset="0"/>
-              </a:rPr>
-              <a:t>Mobile Health App Monitoring ECG</a:t>
-            </a:r>
-            <a:endParaRPr lang="en-IN" sz="2000" dirty="0">
-              <a:latin typeface="Times New Roman" panose="02020603050405020304" pitchFamily="18" charset="0"/>
-              <a:cs typeface="Times New Roman" panose="02020603050405020304" pitchFamily="18" charset="0"/>
-            </a:endParaRPr>
-          </a:p>
-        </p:txBody>
-      </p:sp>
-      <p:sp>
-        <p:nvSpPr>
-          <p:cNvPr id="4" name="TextBox 3">
-            <a:extLst>
-              <a:ext uri="{FF2B5EF4-FFF2-40B4-BE49-F238E27FC236}">
-                <a16:creationId xmlns:a16="http://schemas.microsoft.com/office/drawing/2014/main" id="{62ABD0C3-2CD1-75FB-3B6F-F3645C35D896}"/>
-              </a:ext>
-            </a:extLst>
-          </p:cNvPr>
-          <p:cNvSpPr txBox="1"/>
-          <p:nvPr/>
-        </p:nvSpPr>
-        <p:spPr>
-          <a:xfrm>
-            <a:off x="4232635" y="4279769"/>
-            <a:ext cx="3780149" cy="707886"/>
-          </a:xfrm>
-          <a:prstGeom prst="rect">
-            <a:avLst/>
-          </a:prstGeom>
-          <a:noFill/>
-        </p:spPr>
-        <p:txBody>
-          <a:bodyPr wrap="square" rtlCol="0">
-            <a:spAutoFit/>
-          </a:bodyPr>
-          <a:lstStyle/>
-          <a:p>
-            <a:r>
-              <a:rPr lang="en-IN" sz="2000" dirty="0">
-                <a:latin typeface="Times New Roman" panose="02020603050405020304" pitchFamily="18" charset="0"/>
-                <a:cs typeface="Times New Roman" panose="02020603050405020304" pitchFamily="18" charset="0"/>
-              </a:rPr>
-              <a:t>Telemedicine Platform for ECG Analysis</a:t>
-            </a:r>
-          </a:p>
-        </p:txBody>
-      </p:sp>
-      <p:sp>
-        <p:nvSpPr>
-          <p:cNvPr id="5" name="TextBox 4">
-            <a:extLst>
-              <a:ext uri="{FF2B5EF4-FFF2-40B4-BE49-F238E27FC236}">
-                <a16:creationId xmlns:a16="http://schemas.microsoft.com/office/drawing/2014/main" id="{0F064A4B-945E-59A1-4D50-80C422E53A6C}"/>
-              </a:ext>
-            </a:extLst>
-          </p:cNvPr>
-          <p:cNvSpPr txBox="1"/>
-          <p:nvPr/>
-        </p:nvSpPr>
-        <p:spPr>
-          <a:xfrm>
-            <a:off x="8625886" y="4279769"/>
-            <a:ext cx="2707081" cy="400110"/>
-          </a:xfrm>
-          <a:prstGeom prst="rect">
-            <a:avLst/>
-          </a:prstGeom>
-          <a:noFill/>
-        </p:spPr>
-        <p:txBody>
-          <a:bodyPr wrap="square" rtlCol="0">
-            <a:spAutoFit/>
-          </a:bodyPr>
-          <a:lstStyle/>
-          <a:p>
-            <a:r>
-              <a:rPr lang="en-IN" sz="2000" dirty="0">
-                <a:latin typeface="Times New Roman" panose="02020603050405020304" pitchFamily="18" charset="0"/>
-                <a:cs typeface="Times New Roman" panose="02020603050405020304" pitchFamily="18" charset="0"/>
-              </a:rPr>
-              <a:t>Wearable ECG Monitor</a:t>
-            </a:r>
-          </a:p>
-        </p:txBody>
-      </p:sp>
-    </p:spTree>
-    <p:extLst>
-      <p:ext uri="{BB962C8B-B14F-4D97-AF65-F5344CB8AC3E}">
-        <p14:creationId xmlns:p14="http://schemas.microsoft.com/office/powerpoint/2010/main" val="92612054"/>
-      </p:ext>
-    </p:extLst>
-  </p:cSld>
-  <p:clrMapOvr>
-    <a:masterClrMapping/>
-  </p:clrMapOvr>
-</p:sld>
-</file>
-
-<file path=ppt/slides/slide12.xml><?xml version="1.0" encoding="utf-8"?>
-<p:sld xmlns:a="http://schemas.openxmlformats.org/drawingml/2006/main" xmlns:r="http://schemas.openxmlformats.org/officeDocument/2006/relationships" xmlns:p="http://schemas.openxmlformats.org/presentationml/2006/main">
-  <p:cSld>
-    <p:spTree>
-      <p:nvGrpSpPr>
         <p:cNvPr id="1" name="">
           <a:extLst>
             <a:ext uri="{FF2B5EF4-FFF2-40B4-BE49-F238E27FC236}">
@@ -18667,7 +17794,7 @@
 </p:sld>
 </file>
 
-<file path=ppt/slides/slide13.xml><?xml version="1.0" encoding="utf-8"?>
+<file path=ppt/slides/slide12.xml><?xml version="1.0" encoding="utf-8"?>
 <p:sld xmlns:a="http://schemas.openxmlformats.org/drawingml/2006/main" xmlns:r="http://schemas.openxmlformats.org/officeDocument/2006/relationships" xmlns:p="http://schemas.openxmlformats.org/presentationml/2006/main">
   <p:cSld>
     <p:spTree>
@@ -19025,7 +18152,7 @@
             </a:pPr>
             <a:fld id="{00000000-1234-1234-1234-123412341234}" type="slidenum">
               <a:rPr lang="en-US" smtClean="0"/>
-              <a:t>13</a:t>
+              <a:t>12</a:t>
             </a:fld>
             <a:endParaRPr lang="en-US" dirty="0"/>
           </a:p>
@@ -24722,7 +23849,7 @@
 </p:sld>
 </file>
 
-<file path=ppt/slides/slide14.xml><?xml version="1.0" encoding="utf-8"?>
+<file path=ppt/slides/slide13.xml><?xml version="1.0" encoding="utf-8"?>
 <p:sld xmlns:a="http://schemas.openxmlformats.org/drawingml/2006/main" xmlns:r="http://schemas.openxmlformats.org/officeDocument/2006/relationships" xmlns:p="http://schemas.openxmlformats.org/presentationml/2006/main">
   <p:cSld>
     <p:spTree>
@@ -24771,7 +23898,7 @@
             </a:pPr>
             <a:fld id="{00000000-1234-1234-1234-123412341234}" type="slidenum">
               <a:rPr lang="en-US" smtClean="0"/>
-              <a:t>14</a:t>
+              <a:t>13</a:t>
             </a:fld>
             <a:endParaRPr lang="en-US" dirty="0"/>
           </a:p>
@@ -24955,938 +24082,7 @@
 </p:sld>
 </file>
 
-<file path=ppt/slides/slide15.xml><?xml version="1.0" encoding="utf-8"?>
-<p:sld xmlns:a="http://schemas.openxmlformats.org/drawingml/2006/main" xmlns:r="http://schemas.openxmlformats.org/officeDocument/2006/relationships" xmlns:p="http://schemas.openxmlformats.org/presentationml/2006/main">
-  <p:cSld>
-    <p:spTree>
-      <p:nvGrpSpPr>
-        <p:cNvPr id="1" name="Shape 86"/>
-        <p:cNvGrpSpPr/>
-        <p:nvPr/>
-      </p:nvGrpSpPr>
-      <p:grpSpPr>
-        <a:xfrm>
-          <a:off x="0" y="0"/>
-          <a:ext cx="0" cy="0"/>
-          <a:chOff x="0" y="0"/>
-          <a:chExt cx="0" cy="0"/>
-        </a:xfrm>
-      </p:grpSpPr>
-      <p:sp>
-        <p:nvSpPr>
-          <p:cNvPr id="105" name="Google Shape;105;p1"/>
-          <p:cNvSpPr/>
-          <p:nvPr/>
-        </p:nvSpPr>
-        <p:spPr>
-          <a:xfrm>
-            <a:off x="9156700" y="5791918"/>
-            <a:ext cx="2926946" cy="307777"/>
-          </a:xfrm>
-          <a:prstGeom prst="rect">
-            <a:avLst/>
-          </a:prstGeom>
-          <a:noFill/>
-          <a:ln>
-            <a:noFill/>
-          </a:ln>
-        </p:spPr>
-        <p:txBody>
-          <a:bodyPr spcFirstLastPara="1" wrap="square" lIns="91425" tIns="45700" rIns="91425" bIns="45700" anchor="t" anchorCtr="0">
-            <a:spAutoFit/>
-          </a:bodyPr>
-          <a:lstStyle/>
-          <a:p>
-            <a:pPr marL="0" marR="0" lvl="0" indent="0" algn="ctr" rtl="0">
-              <a:lnSpc>
-                <a:spcPct val="100000"/>
-              </a:lnSpc>
-              <a:spcBef>
-                <a:spcPts val="0"/>
-              </a:spcBef>
-              <a:spcAft>
-                <a:spcPts val="0"/>
-              </a:spcAft>
-              <a:buClr>
-                <a:srgbClr val="000000"/>
-              </a:buClr>
-              <a:buSzPts val="1400"/>
-              <a:buFont typeface="Arial"/>
-              <a:buNone/>
-            </a:pPr>
-            <a:endParaRPr sz="1400" b="1" i="0" u="none" strike="noStrike" cap="none">
-              <a:solidFill>
-                <a:schemeClr val="dk1"/>
-              </a:solidFill>
-              <a:latin typeface="Arial"/>
-              <a:ea typeface="Arial"/>
-              <a:cs typeface="Arial"/>
-              <a:sym typeface="Arial"/>
-            </a:endParaRPr>
-          </a:p>
-        </p:txBody>
-      </p:sp>
-      <p:pic>
-        <p:nvPicPr>
-          <p:cNvPr id="9" name="Picture 8">
-            <a:extLst>
-              <a:ext uri="{FF2B5EF4-FFF2-40B4-BE49-F238E27FC236}">
-                <a16:creationId xmlns:a16="http://schemas.microsoft.com/office/drawing/2014/main" id="{A7B3DA7D-3400-42CD-5F43-87C229283600}"/>
-              </a:ext>
-            </a:extLst>
-          </p:cNvPr>
-          <p:cNvPicPr>
-            <a:picLocks noChangeAspect="1"/>
-          </p:cNvPicPr>
-          <p:nvPr/>
-        </p:nvPicPr>
-        <p:blipFill>
-          <a:blip r:embed="rId3"/>
-          <a:srcRect l="31306" t="17157" r="31306" b="22274"/>
-          <a:stretch/>
-        </p:blipFill>
-        <p:spPr>
-          <a:xfrm>
-            <a:off x="7750517" y="181645"/>
-            <a:ext cx="2812366" cy="2517593"/>
-          </a:xfrm>
-          <a:prstGeom prst="rect">
-            <a:avLst/>
-          </a:prstGeom>
-        </p:spPr>
-      </p:pic>
-      <p:pic>
-        <p:nvPicPr>
-          <p:cNvPr id="11" name="Picture 10">
-            <a:extLst>
-              <a:ext uri="{FF2B5EF4-FFF2-40B4-BE49-F238E27FC236}">
-                <a16:creationId xmlns:a16="http://schemas.microsoft.com/office/drawing/2014/main" id="{361EC3A6-2D58-A068-50D9-DBBE7A19DF9F}"/>
-              </a:ext>
-            </a:extLst>
-          </p:cNvPr>
-          <p:cNvPicPr>
-            <a:picLocks noChangeAspect="1"/>
-          </p:cNvPicPr>
-          <p:nvPr/>
-        </p:nvPicPr>
-        <p:blipFill>
-          <a:blip r:embed="rId4"/>
-          <a:srcRect l="31928" t="16025" r="31627" b="20822"/>
-          <a:stretch/>
-        </p:blipFill>
-        <p:spPr>
-          <a:xfrm>
-            <a:off x="357486" y="3686316"/>
-            <a:ext cx="2795843" cy="2413379"/>
-          </a:xfrm>
-          <a:prstGeom prst="rect">
-            <a:avLst/>
-          </a:prstGeom>
-        </p:spPr>
-      </p:pic>
-      <p:pic>
-        <p:nvPicPr>
-          <p:cNvPr id="13" name="Picture 12">
-            <a:extLst>
-              <a:ext uri="{FF2B5EF4-FFF2-40B4-BE49-F238E27FC236}">
-                <a16:creationId xmlns:a16="http://schemas.microsoft.com/office/drawing/2014/main" id="{66A4543C-0C39-9528-D4CC-BEB2E1B6BEC2}"/>
-              </a:ext>
-            </a:extLst>
-          </p:cNvPr>
-          <p:cNvPicPr>
-            <a:picLocks noChangeAspect="1"/>
-          </p:cNvPicPr>
-          <p:nvPr/>
-        </p:nvPicPr>
-        <p:blipFill>
-          <a:blip r:embed="rId5"/>
-          <a:srcRect l="32437" t="14043" r="33437" b="22532"/>
-          <a:stretch/>
-        </p:blipFill>
-        <p:spPr>
-          <a:xfrm>
-            <a:off x="3802380" y="181645"/>
-            <a:ext cx="2936240" cy="2517593"/>
-          </a:xfrm>
-          <a:prstGeom prst="rect">
-            <a:avLst/>
-          </a:prstGeom>
-        </p:spPr>
-      </p:pic>
-      <p:graphicFrame>
-        <p:nvGraphicFramePr>
-          <p:cNvPr id="18" name="Table 17">
-            <a:extLst>
-              <a:ext uri="{FF2B5EF4-FFF2-40B4-BE49-F238E27FC236}">
-                <a16:creationId xmlns:a16="http://schemas.microsoft.com/office/drawing/2014/main" id="{51EB52A0-8510-CB5A-3F7F-F11866DC2E3B}"/>
-              </a:ext>
-            </a:extLst>
-          </p:cNvPr>
-          <p:cNvGraphicFramePr>
-            <a:graphicFrameLocks noGrp="1"/>
-          </p:cNvGraphicFramePr>
-          <p:nvPr>
-            <p:extLst>
-              <p:ext uri="{D42A27DB-BD31-4B8C-83A1-F6EECF244321}">
-                <p14:modId xmlns:p14="http://schemas.microsoft.com/office/powerpoint/2010/main" val="1471216142"/>
-              </p:ext>
-            </p:extLst>
-          </p:nvPr>
-        </p:nvGraphicFramePr>
-        <p:xfrm>
-          <a:off x="3706512" y="3965905"/>
-          <a:ext cx="8128002" cy="1854200"/>
-        </p:xfrm>
-        <a:graphic>
-          <a:graphicData uri="http://schemas.openxmlformats.org/drawingml/2006/table">
-            <a:tbl>
-              <a:tblPr firstRow="1" bandRow="1">
-                <a:tableStyleId>{487C13AC-C4EB-4B75-A16E-F28B5C2F6171}</a:tableStyleId>
-              </a:tblPr>
-              <a:tblGrid>
-                <a:gridCol w="1354667">
-                  <a:extLst>
-                    <a:ext uri="{9D8B030D-6E8A-4147-A177-3AD203B41FA5}">
-                      <a16:colId xmlns:a16="http://schemas.microsoft.com/office/drawing/2014/main" val="2990895629"/>
-                    </a:ext>
-                  </a:extLst>
-                </a:gridCol>
-                <a:gridCol w="1354667">
-                  <a:extLst>
-                    <a:ext uri="{9D8B030D-6E8A-4147-A177-3AD203B41FA5}">
-                      <a16:colId xmlns:a16="http://schemas.microsoft.com/office/drawing/2014/main" val="2727245312"/>
-                    </a:ext>
-                  </a:extLst>
-                </a:gridCol>
-                <a:gridCol w="1354667">
-                  <a:extLst>
-                    <a:ext uri="{9D8B030D-6E8A-4147-A177-3AD203B41FA5}">
-                      <a16:colId xmlns:a16="http://schemas.microsoft.com/office/drawing/2014/main" val="3749702169"/>
-                    </a:ext>
-                  </a:extLst>
-                </a:gridCol>
-                <a:gridCol w="1354667">
-                  <a:extLst>
-                    <a:ext uri="{9D8B030D-6E8A-4147-A177-3AD203B41FA5}">
-                      <a16:colId xmlns:a16="http://schemas.microsoft.com/office/drawing/2014/main" val="338536084"/>
-                    </a:ext>
-                  </a:extLst>
-                </a:gridCol>
-                <a:gridCol w="1354667">
-                  <a:extLst>
-                    <a:ext uri="{9D8B030D-6E8A-4147-A177-3AD203B41FA5}">
-                      <a16:colId xmlns:a16="http://schemas.microsoft.com/office/drawing/2014/main" val="1335969191"/>
-                    </a:ext>
-                  </a:extLst>
-                </a:gridCol>
-                <a:gridCol w="1354667">
-                  <a:extLst>
-                    <a:ext uri="{9D8B030D-6E8A-4147-A177-3AD203B41FA5}">
-                      <a16:colId xmlns:a16="http://schemas.microsoft.com/office/drawing/2014/main" val="688845849"/>
-                    </a:ext>
-                  </a:extLst>
-                </a:gridCol>
-              </a:tblGrid>
-              <a:tr h="370840">
-                <a:tc>
-                  <a:txBody>
-                    <a:bodyPr/>
-                    <a:lstStyle/>
-                    <a:p>
-                      <a:endParaRPr lang="en-IN" dirty="0"/>
-                    </a:p>
-                  </a:txBody>
-                  <a:tcPr/>
-                </a:tc>
-                <a:tc>
-                  <a:txBody>
-                    <a:bodyPr/>
-                    <a:lstStyle/>
-                    <a:p>
-                      <a:r>
-                        <a:rPr lang="en-US" dirty="0"/>
-                        <a:t>N</a:t>
-                      </a:r>
-                      <a:endParaRPr lang="en-IN" dirty="0"/>
-                    </a:p>
-                  </a:txBody>
-                  <a:tcPr/>
-                </a:tc>
-                <a:tc>
-                  <a:txBody>
-                    <a:bodyPr/>
-                    <a:lstStyle/>
-                    <a:p>
-                      <a:r>
-                        <a:rPr lang="en-US" dirty="0"/>
-                        <a:t>S</a:t>
-                      </a:r>
-                      <a:endParaRPr lang="en-IN" dirty="0"/>
-                    </a:p>
-                  </a:txBody>
-                  <a:tcPr/>
-                </a:tc>
-                <a:tc>
-                  <a:txBody>
-                    <a:bodyPr/>
-                    <a:lstStyle/>
-                    <a:p>
-                      <a:r>
-                        <a:rPr lang="en-US" dirty="0"/>
-                        <a:t>V</a:t>
-                      </a:r>
-                      <a:endParaRPr lang="en-IN" dirty="0"/>
-                    </a:p>
-                  </a:txBody>
-                  <a:tcPr/>
-                </a:tc>
-                <a:tc>
-                  <a:txBody>
-                    <a:bodyPr/>
-                    <a:lstStyle/>
-                    <a:p>
-                      <a:r>
-                        <a:rPr lang="en-US" dirty="0"/>
-                        <a:t>F</a:t>
-                      </a:r>
-                      <a:endParaRPr lang="en-IN" dirty="0"/>
-                    </a:p>
-                  </a:txBody>
-                  <a:tcPr/>
-                </a:tc>
-                <a:tc>
-                  <a:txBody>
-                    <a:bodyPr/>
-                    <a:lstStyle/>
-                    <a:p>
-                      <a:r>
-                        <a:rPr lang="en-US" dirty="0"/>
-                        <a:t>Q</a:t>
-                      </a:r>
-                      <a:endParaRPr lang="en-IN" dirty="0"/>
-                    </a:p>
-                  </a:txBody>
-                  <a:tcPr/>
-                </a:tc>
-                <a:extLst>
-                  <a:ext uri="{0D108BD9-81ED-4DB2-BD59-A6C34878D82A}">
-                    <a16:rowId xmlns:a16="http://schemas.microsoft.com/office/drawing/2014/main" val="3766757789"/>
-                  </a:ext>
-                </a:extLst>
-              </a:tr>
-              <a:tr h="370840">
-                <a:tc>
-                  <a:txBody>
-                    <a:bodyPr/>
-                    <a:lstStyle/>
-                    <a:p>
-                      <a:r>
-                        <a:rPr lang="en-US" dirty="0"/>
-                        <a:t>100</a:t>
-                      </a:r>
-                      <a:endParaRPr lang="en-IN" dirty="0"/>
-                    </a:p>
-                  </a:txBody>
-                  <a:tcPr/>
-                </a:tc>
-                <a:tc>
-                  <a:txBody>
-                    <a:bodyPr/>
-                    <a:lstStyle/>
-                    <a:p>
-                      <a:r>
-                        <a:rPr lang="en-US" dirty="0"/>
-                        <a:t>29</a:t>
-                      </a:r>
-                      <a:endParaRPr lang="en-IN" dirty="0"/>
-                    </a:p>
-                  </a:txBody>
-                  <a:tcPr/>
-                </a:tc>
-                <a:tc>
-                  <a:txBody>
-                    <a:bodyPr/>
-                    <a:lstStyle/>
-                    <a:p>
-                      <a:r>
-                        <a:rPr lang="en-US" dirty="0"/>
-                        <a:t>59</a:t>
-                      </a:r>
-                      <a:endParaRPr lang="en-IN" dirty="0"/>
-                    </a:p>
-                  </a:txBody>
-                  <a:tcPr/>
-                </a:tc>
-                <a:tc>
-                  <a:txBody>
-                    <a:bodyPr/>
-                    <a:lstStyle/>
-                    <a:p>
-                      <a:r>
-                        <a:rPr lang="en-US" dirty="0"/>
-                        <a:t>82</a:t>
-                      </a:r>
-                      <a:endParaRPr lang="en-IN" dirty="0"/>
-                    </a:p>
-                  </a:txBody>
-                  <a:tcPr/>
-                </a:tc>
-                <a:tc>
-                  <a:txBody>
-                    <a:bodyPr/>
-                    <a:lstStyle/>
-                    <a:p>
-                      <a:r>
-                        <a:rPr lang="en-US" dirty="0"/>
-                        <a:t>98</a:t>
-                      </a:r>
-                      <a:endParaRPr lang="en-IN" dirty="0"/>
-                    </a:p>
-                  </a:txBody>
-                  <a:tcPr/>
-                </a:tc>
-                <a:tc>
-                  <a:txBody>
-                    <a:bodyPr/>
-                    <a:lstStyle/>
-                    <a:p>
-                      <a:r>
-                        <a:rPr lang="en-US" dirty="0"/>
-                        <a:t>125</a:t>
-                      </a:r>
-                      <a:endParaRPr lang="en-IN" dirty="0"/>
-                    </a:p>
-                  </a:txBody>
-                  <a:tcPr/>
-                </a:tc>
-                <a:extLst>
-                  <a:ext uri="{0D108BD9-81ED-4DB2-BD59-A6C34878D82A}">
-                    <a16:rowId xmlns:a16="http://schemas.microsoft.com/office/drawing/2014/main" val="3743787332"/>
-                  </a:ext>
-                </a:extLst>
-              </a:tr>
-              <a:tr h="370840">
-                <a:tc>
-                  <a:txBody>
-                    <a:bodyPr/>
-                    <a:lstStyle/>
-                    <a:p>
-                      <a:r>
-                        <a:rPr lang="en-US" dirty="0"/>
-                        <a:t>101</a:t>
-                      </a:r>
-                      <a:endParaRPr lang="en-IN" dirty="0"/>
-                    </a:p>
-                  </a:txBody>
-                  <a:tcPr/>
-                </a:tc>
-                <a:tc>
-                  <a:txBody>
-                    <a:bodyPr/>
-                    <a:lstStyle/>
-                    <a:p>
-                      <a:r>
-                        <a:rPr lang="en-US" dirty="0"/>
-                        <a:t>20</a:t>
-                      </a:r>
-                      <a:endParaRPr lang="en-IN" dirty="0"/>
-                    </a:p>
-                  </a:txBody>
-                  <a:tcPr/>
-                </a:tc>
-                <a:tc>
-                  <a:txBody>
-                    <a:bodyPr/>
-                    <a:lstStyle/>
-                    <a:p>
-                      <a:r>
-                        <a:rPr lang="en-US" dirty="0"/>
-                        <a:t>35</a:t>
-                      </a:r>
-                      <a:endParaRPr lang="en-IN" dirty="0"/>
-                    </a:p>
-                  </a:txBody>
-                  <a:tcPr/>
-                </a:tc>
-                <a:tc>
-                  <a:txBody>
-                    <a:bodyPr/>
-                    <a:lstStyle/>
-                    <a:p>
-                      <a:r>
-                        <a:rPr lang="en-US" dirty="0"/>
-                        <a:t>43</a:t>
-                      </a:r>
-                      <a:endParaRPr lang="en-IN" dirty="0"/>
-                    </a:p>
-                  </a:txBody>
-                  <a:tcPr/>
-                </a:tc>
-                <a:tc>
-                  <a:txBody>
-                    <a:bodyPr/>
-                    <a:lstStyle/>
-                    <a:p>
-                      <a:r>
-                        <a:rPr lang="en-US" dirty="0"/>
-                        <a:t>54</a:t>
-                      </a:r>
-                      <a:endParaRPr lang="en-IN" dirty="0"/>
-                    </a:p>
-                  </a:txBody>
-                  <a:tcPr/>
-                </a:tc>
-                <a:tc>
-                  <a:txBody>
-                    <a:bodyPr/>
-                    <a:lstStyle/>
-                    <a:p>
-                      <a:r>
-                        <a:rPr lang="en-US" dirty="0"/>
-                        <a:t>85</a:t>
-                      </a:r>
-                      <a:endParaRPr lang="en-IN" dirty="0"/>
-                    </a:p>
-                  </a:txBody>
-                  <a:tcPr/>
-                </a:tc>
-                <a:extLst>
-                  <a:ext uri="{0D108BD9-81ED-4DB2-BD59-A6C34878D82A}">
-                    <a16:rowId xmlns:a16="http://schemas.microsoft.com/office/drawing/2014/main" val="2170088576"/>
-                  </a:ext>
-                </a:extLst>
-              </a:tr>
-              <a:tr h="370840">
-                <a:tc>
-                  <a:txBody>
-                    <a:bodyPr/>
-                    <a:lstStyle/>
-                    <a:p>
-                      <a:r>
-                        <a:rPr lang="en-US" dirty="0"/>
-                        <a:t>200</a:t>
-                      </a:r>
-                      <a:endParaRPr lang="en-IN" dirty="0"/>
-                    </a:p>
-                  </a:txBody>
-                  <a:tcPr/>
-                </a:tc>
-                <a:tc>
-                  <a:txBody>
-                    <a:bodyPr/>
-                    <a:lstStyle/>
-                    <a:p>
-                      <a:r>
-                        <a:rPr lang="en-US" dirty="0"/>
-                        <a:t>20</a:t>
-                      </a:r>
-                      <a:endParaRPr lang="en-IN" dirty="0"/>
-                    </a:p>
-                  </a:txBody>
-                  <a:tcPr/>
-                </a:tc>
-                <a:tc>
-                  <a:txBody>
-                    <a:bodyPr/>
-                    <a:lstStyle/>
-                    <a:p>
-                      <a:r>
-                        <a:rPr lang="en-US" dirty="0"/>
-                        <a:t>25</a:t>
-                      </a:r>
-                      <a:endParaRPr lang="en-IN" dirty="0"/>
-                    </a:p>
-                  </a:txBody>
-                  <a:tcPr/>
-                </a:tc>
-                <a:tc>
-                  <a:txBody>
-                    <a:bodyPr/>
-                    <a:lstStyle/>
-                    <a:p>
-                      <a:r>
-                        <a:rPr lang="en-US" dirty="0"/>
-                        <a:t>47</a:t>
-                      </a:r>
-                      <a:endParaRPr lang="en-IN" dirty="0"/>
-                    </a:p>
-                  </a:txBody>
-                  <a:tcPr/>
-                </a:tc>
-                <a:tc>
-                  <a:txBody>
-                    <a:bodyPr/>
-                    <a:lstStyle/>
-                    <a:p>
-                      <a:r>
-                        <a:rPr lang="en-US" dirty="0"/>
-                        <a:t>63</a:t>
-                      </a:r>
-                      <a:endParaRPr lang="en-IN" dirty="0"/>
-                    </a:p>
-                  </a:txBody>
-                  <a:tcPr/>
-                </a:tc>
-                <a:tc>
-                  <a:txBody>
-                    <a:bodyPr/>
-                    <a:lstStyle/>
-                    <a:p>
-                      <a:r>
-                        <a:rPr lang="en-US" dirty="0"/>
-                        <a:t>82</a:t>
-                      </a:r>
-                      <a:endParaRPr lang="en-IN" dirty="0"/>
-                    </a:p>
-                  </a:txBody>
-                  <a:tcPr/>
-                </a:tc>
-                <a:extLst>
-                  <a:ext uri="{0D108BD9-81ED-4DB2-BD59-A6C34878D82A}">
-                    <a16:rowId xmlns:a16="http://schemas.microsoft.com/office/drawing/2014/main" val="313466925"/>
-                  </a:ext>
-                </a:extLst>
-              </a:tr>
-              <a:tr h="370840">
-                <a:tc>
-                  <a:txBody>
-                    <a:bodyPr/>
-                    <a:lstStyle/>
-                    <a:p>
-                      <a:r>
-                        <a:rPr lang="en-US" dirty="0"/>
-                        <a:t>201</a:t>
-                      </a:r>
-                      <a:endParaRPr lang="en-IN" dirty="0"/>
-                    </a:p>
-                  </a:txBody>
-                  <a:tcPr/>
-                </a:tc>
-                <a:tc>
-                  <a:txBody>
-                    <a:bodyPr/>
-                    <a:lstStyle/>
-                    <a:p>
-                      <a:r>
-                        <a:rPr lang="en-US" dirty="0"/>
-                        <a:t>-60</a:t>
-                      </a:r>
-                      <a:endParaRPr lang="en-IN" dirty="0"/>
-                    </a:p>
-                  </a:txBody>
-                  <a:tcPr/>
-                </a:tc>
-                <a:tc>
-                  <a:txBody>
-                    <a:bodyPr/>
-                    <a:lstStyle/>
-                    <a:p>
-                      <a:r>
-                        <a:rPr lang="en-US" dirty="0"/>
-                        <a:t>15</a:t>
-                      </a:r>
-                      <a:endParaRPr lang="en-IN" dirty="0"/>
-                    </a:p>
-                  </a:txBody>
-                  <a:tcPr/>
-                </a:tc>
-                <a:tc>
-                  <a:txBody>
-                    <a:bodyPr/>
-                    <a:lstStyle/>
-                    <a:p>
-                      <a:r>
-                        <a:rPr lang="en-US" dirty="0"/>
-                        <a:t>20</a:t>
-                      </a:r>
-                      <a:endParaRPr lang="en-IN" dirty="0"/>
-                    </a:p>
-                  </a:txBody>
-                  <a:tcPr/>
-                </a:tc>
-                <a:tc>
-                  <a:txBody>
-                    <a:bodyPr/>
-                    <a:lstStyle/>
-                    <a:p>
-                      <a:r>
-                        <a:rPr lang="en-US" dirty="0"/>
-                        <a:t>23</a:t>
-                      </a:r>
-                      <a:endParaRPr lang="en-IN" dirty="0"/>
-                    </a:p>
-                  </a:txBody>
-                  <a:tcPr/>
-                </a:tc>
-                <a:tc>
-                  <a:txBody>
-                    <a:bodyPr/>
-                    <a:lstStyle/>
-                    <a:p>
-                      <a:r>
-                        <a:rPr lang="en-US" dirty="0"/>
-                        <a:t>63</a:t>
-                      </a:r>
-                      <a:endParaRPr lang="en-IN" dirty="0"/>
-                    </a:p>
-                  </a:txBody>
-                  <a:tcPr/>
-                </a:tc>
-                <a:extLst>
-                  <a:ext uri="{0D108BD9-81ED-4DB2-BD59-A6C34878D82A}">
-                    <a16:rowId xmlns:a16="http://schemas.microsoft.com/office/drawing/2014/main" val="561470448"/>
-                  </a:ext>
-                </a:extLst>
-              </a:tr>
-            </a:tbl>
-          </a:graphicData>
-        </a:graphic>
-      </p:graphicFrame>
-      <p:pic>
-        <p:nvPicPr>
-          <p:cNvPr id="19" name="Picture 18">
-            <a:extLst>
-              <a:ext uri="{FF2B5EF4-FFF2-40B4-BE49-F238E27FC236}">
-                <a16:creationId xmlns:a16="http://schemas.microsoft.com/office/drawing/2014/main" id="{6B42BE24-E549-9681-D08E-DB64C7CB78B8}"/>
-              </a:ext>
-            </a:extLst>
-          </p:cNvPr>
-          <p:cNvPicPr>
-            <a:picLocks noChangeAspect="1"/>
-          </p:cNvPicPr>
-          <p:nvPr/>
-        </p:nvPicPr>
-        <p:blipFill>
-          <a:blip r:embed="rId6"/>
-          <a:srcRect l="32723" t="12312" r="31691" b="21860"/>
-          <a:stretch/>
-        </p:blipFill>
-        <p:spPr>
-          <a:xfrm>
-            <a:off x="357486" y="760690"/>
-            <a:ext cx="2485918" cy="2410978"/>
-          </a:xfrm>
-          <a:prstGeom prst="rect">
-            <a:avLst/>
-          </a:prstGeom>
-        </p:spPr>
-      </p:pic>
-      <p:sp>
-        <p:nvSpPr>
-          <p:cNvPr id="20" name="TextBox 19">
-            <a:extLst>
-              <a:ext uri="{FF2B5EF4-FFF2-40B4-BE49-F238E27FC236}">
-                <a16:creationId xmlns:a16="http://schemas.microsoft.com/office/drawing/2014/main" id="{DC2A77C4-9D7C-7C65-54D9-4F9F17521143}"/>
-              </a:ext>
-            </a:extLst>
-          </p:cNvPr>
-          <p:cNvSpPr txBox="1"/>
-          <p:nvPr/>
-        </p:nvSpPr>
-        <p:spPr>
-          <a:xfrm>
-            <a:off x="1298207" y="3222349"/>
-            <a:ext cx="507650" cy="307777"/>
-          </a:xfrm>
-          <a:prstGeom prst="rect">
-            <a:avLst/>
-          </a:prstGeom>
-          <a:noFill/>
-        </p:spPr>
-        <p:txBody>
-          <a:bodyPr wrap="square" rtlCol="0">
-            <a:spAutoFit/>
-          </a:bodyPr>
-          <a:lstStyle/>
-          <a:p>
-            <a:r>
-              <a:rPr lang="en-US" dirty="0"/>
-              <a:t>100</a:t>
-            </a:r>
-            <a:endParaRPr lang="en-IN" dirty="0"/>
-          </a:p>
-        </p:txBody>
-      </p:sp>
-      <p:sp>
-        <p:nvSpPr>
-          <p:cNvPr id="21" name="TextBox 20">
-            <a:extLst>
-              <a:ext uri="{FF2B5EF4-FFF2-40B4-BE49-F238E27FC236}">
-                <a16:creationId xmlns:a16="http://schemas.microsoft.com/office/drawing/2014/main" id="{C7E94D81-D624-E262-E2B4-C6F310345CCE}"/>
-              </a:ext>
-            </a:extLst>
-          </p:cNvPr>
-          <p:cNvSpPr txBox="1"/>
-          <p:nvPr/>
-        </p:nvSpPr>
-        <p:spPr>
-          <a:xfrm>
-            <a:off x="5152201" y="2803902"/>
-            <a:ext cx="482824" cy="307777"/>
-          </a:xfrm>
-          <a:prstGeom prst="rect">
-            <a:avLst/>
-          </a:prstGeom>
-          <a:noFill/>
-        </p:spPr>
-        <p:txBody>
-          <a:bodyPr wrap="none" rtlCol="0">
-            <a:spAutoFit/>
-          </a:bodyPr>
-          <a:lstStyle/>
-          <a:p>
-            <a:r>
-              <a:rPr lang="en-US" dirty="0"/>
-              <a:t>101</a:t>
-            </a:r>
-            <a:endParaRPr lang="en-IN" dirty="0"/>
-          </a:p>
-        </p:txBody>
-      </p:sp>
-      <p:sp>
-        <p:nvSpPr>
-          <p:cNvPr id="22" name="TextBox 21">
-            <a:extLst>
-              <a:ext uri="{FF2B5EF4-FFF2-40B4-BE49-F238E27FC236}">
-                <a16:creationId xmlns:a16="http://schemas.microsoft.com/office/drawing/2014/main" id="{BCA96000-0ECF-DECC-3C67-1648B7A5B644}"/>
-              </a:ext>
-            </a:extLst>
-          </p:cNvPr>
-          <p:cNvSpPr txBox="1"/>
-          <p:nvPr/>
-        </p:nvSpPr>
-        <p:spPr>
-          <a:xfrm>
-            <a:off x="1323033" y="6226835"/>
-            <a:ext cx="482824" cy="307777"/>
-          </a:xfrm>
-          <a:prstGeom prst="rect">
-            <a:avLst/>
-          </a:prstGeom>
-          <a:noFill/>
-        </p:spPr>
-        <p:txBody>
-          <a:bodyPr wrap="none" rtlCol="0">
-            <a:spAutoFit/>
-          </a:bodyPr>
-          <a:lstStyle/>
-          <a:p>
-            <a:r>
-              <a:rPr lang="en-US" dirty="0"/>
-              <a:t>201</a:t>
-            </a:r>
-            <a:endParaRPr lang="en-IN" dirty="0"/>
-          </a:p>
-        </p:txBody>
-      </p:sp>
-      <p:sp>
-        <p:nvSpPr>
-          <p:cNvPr id="23" name="TextBox 22">
-            <a:extLst>
-              <a:ext uri="{FF2B5EF4-FFF2-40B4-BE49-F238E27FC236}">
-                <a16:creationId xmlns:a16="http://schemas.microsoft.com/office/drawing/2014/main" id="{0606A9E4-CEFE-8848-BE21-917E547CB993}"/>
-              </a:ext>
-            </a:extLst>
-          </p:cNvPr>
-          <p:cNvSpPr txBox="1"/>
-          <p:nvPr/>
-        </p:nvSpPr>
-        <p:spPr>
-          <a:xfrm>
-            <a:off x="8985231" y="2803901"/>
-            <a:ext cx="482824" cy="307777"/>
-          </a:xfrm>
-          <a:prstGeom prst="rect">
-            <a:avLst/>
-          </a:prstGeom>
-          <a:noFill/>
-        </p:spPr>
-        <p:txBody>
-          <a:bodyPr wrap="none" rtlCol="0">
-            <a:spAutoFit/>
-          </a:bodyPr>
-          <a:lstStyle/>
-          <a:p>
-            <a:r>
-              <a:rPr lang="en-US" dirty="0"/>
-              <a:t>200</a:t>
-            </a:r>
-            <a:endParaRPr lang="en-IN" dirty="0"/>
-          </a:p>
-        </p:txBody>
-      </p:sp>
-      <p:sp>
-        <p:nvSpPr>
-          <p:cNvPr id="25" name="TextBox 24">
-            <a:extLst>
-              <a:ext uri="{FF2B5EF4-FFF2-40B4-BE49-F238E27FC236}">
-                <a16:creationId xmlns:a16="http://schemas.microsoft.com/office/drawing/2014/main" id="{E32D9FC4-E8B7-B033-BBA5-9C9D7D34D18F}"/>
-              </a:ext>
-            </a:extLst>
-          </p:cNvPr>
-          <p:cNvSpPr txBox="1"/>
-          <p:nvPr/>
-        </p:nvSpPr>
-        <p:spPr>
-          <a:xfrm>
-            <a:off x="7309535" y="3458992"/>
-            <a:ext cx="914400" cy="307777"/>
-          </a:xfrm>
-          <a:prstGeom prst="rect">
-            <a:avLst/>
-          </a:prstGeom>
-          <a:noFill/>
-        </p:spPr>
-        <p:txBody>
-          <a:bodyPr wrap="square" rtlCol="0">
-            <a:spAutoFit/>
-          </a:bodyPr>
-          <a:lstStyle/>
-          <a:p>
-            <a:r>
-              <a:rPr lang="en-US" b="1" u="sng" dirty="0">
-                <a:effectLst>
-                  <a:outerShdw blurRad="38100" dist="38100" dir="2700000" algn="tl">
-                    <a:srgbClr val="000000">
-                      <a:alpha val="43137"/>
-                    </a:srgbClr>
-                  </a:outerShdw>
-                </a:effectLst>
-                <a:latin typeface="Calibri" panose="020F0502020204030204" pitchFamily="34" charset="0"/>
-                <a:ea typeface="Calibri" panose="020F0502020204030204" pitchFamily="34" charset="0"/>
-                <a:cs typeface="Calibri" panose="020F0502020204030204" pitchFamily="34" charset="0"/>
-              </a:rPr>
-              <a:t>TABLE</a:t>
-            </a:r>
-            <a:endParaRPr lang="en-IN" b="1" u="sng" dirty="0">
-              <a:effectLst>
-                <a:outerShdw blurRad="38100" dist="38100" dir="2700000" algn="tl">
-                  <a:srgbClr val="000000">
-                    <a:alpha val="43137"/>
-                  </a:srgbClr>
-                </a:outerShdw>
-              </a:effectLst>
-              <a:latin typeface="Calibri" panose="020F0502020204030204" pitchFamily="34" charset="0"/>
-              <a:ea typeface="Calibri" panose="020F0502020204030204" pitchFamily="34" charset="0"/>
-              <a:cs typeface="Calibri" panose="020F0502020204030204" pitchFamily="34" charset="0"/>
-            </a:endParaRPr>
-          </a:p>
-        </p:txBody>
-      </p:sp>
-    </p:spTree>
-    <p:extLst>
-      <p:ext uri="{BB962C8B-B14F-4D97-AF65-F5344CB8AC3E}">
-        <p14:creationId xmlns:p14="http://schemas.microsoft.com/office/powerpoint/2010/main" val="4281165771"/>
-      </p:ext>
-    </p:extLst>
-  </p:cSld>
-  <p:clrMapOvr>
-    <a:masterClrMapping/>
-  </p:clrMapOvr>
-</p:sld>
-</file>
-
-<file path=ppt/slides/slide16.xml><?xml version="1.0" encoding="utf-8"?>
+<file path=ppt/slides/slide14.xml><?xml version="1.0" encoding="utf-8"?>
 <p:sld xmlns:a="http://schemas.openxmlformats.org/drawingml/2006/main" xmlns:r="http://schemas.openxmlformats.org/officeDocument/2006/relationships" xmlns:p="http://schemas.openxmlformats.org/presentationml/2006/main">
   <p:cSld>
     <p:spTree>
@@ -25935,7 +24131,7 @@
             </a:pPr>
             <a:fld id="{00000000-1234-1234-1234-123412341234}" type="slidenum">
               <a:rPr lang="en-US" smtClean="0"/>
-              <a:t>16</a:t>
+              <a:t>14</a:t>
             </a:fld>
             <a:endParaRPr lang="en-US" dirty="0"/>
           </a:p>
@@ -26247,12 +24443,12 @@
 </p:sld>
 </file>
 
-<file path=ppt/slides/slide17.xml><?xml version="1.0" encoding="utf-8"?>
+<file path=ppt/slides/slide15.xml><?xml version="1.0" encoding="utf-8"?>
 <p:sld xmlns:a="http://schemas.openxmlformats.org/drawingml/2006/main" xmlns:r="http://schemas.openxmlformats.org/officeDocument/2006/relationships" xmlns:p="http://schemas.openxmlformats.org/presentationml/2006/main">
   <p:cSld>
     <p:spTree>
       <p:nvGrpSpPr>
-        <p:cNvPr id="1" name="Shape 229"/>
+        <p:cNvPr id="1" name=""/>
         <p:cNvGrpSpPr/>
         <p:nvPr/>
       </p:nvGrpSpPr>
@@ -26266,489 +24462,1049 @@
       </p:grpSpPr>
       <p:sp>
         <p:nvSpPr>
-          <p:cNvPr id="230" name="Google Shape;230;p35"/>
+          <p:cNvPr id="3" name="Slide Number Placeholder 2">
+            <a:extLst>
+              <a:ext uri="{FF2B5EF4-FFF2-40B4-BE49-F238E27FC236}">
+                <a16:creationId xmlns:a16="http://schemas.microsoft.com/office/drawing/2014/main" id="{B4D5FACE-8544-5286-98AB-6AA207DC4387}"/>
+              </a:ext>
+            </a:extLst>
+          </p:cNvPr>
+          <p:cNvSpPr>
+            <a:spLocks noGrp="1"/>
+          </p:cNvSpPr>
+          <p:nvPr>
+            <p:ph type="sldNum" idx="12"/>
+          </p:nvPr>
+        </p:nvSpPr>
+        <p:spPr/>
+        <p:txBody>
+          <a:bodyPr/>
+          <a:lstStyle/>
+          <a:p>
+            <a:pPr marL="0" lvl="0" indent="0" algn="r" rtl="0">
+              <a:spcBef>
+                <a:spcPts val="0"/>
+              </a:spcBef>
+              <a:spcAft>
+                <a:spcPts val="0"/>
+              </a:spcAft>
+              <a:buNone/>
+            </a:pPr>
+            <a:fld id="{00000000-1234-1234-1234-123412341234}" type="slidenum">
+              <a:rPr lang="en-US" smtClean="0"/>
+              <a:t>15</a:t>
+            </a:fld>
+            <a:endParaRPr lang="en-US" dirty="0"/>
+          </a:p>
+        </p:txBody>
+      </p:sp>
+      <p:pic>
+        <p:nvPicPr>
+          <p:cNvPr id="1026" name="Picture 2" descr="Screenshot">
+            <a:extLst>
+              <a:ext uri="{FF2B5EF4-FFF2-40B4-BE49-F238E27FC236}">
+                <a16:creationId xmlns:a16="http://schemas.microsoft.com/office/drawing/2014/main" id="{6834EB28-479C-B383-4BA5-F0C5DBAF9A75}"/>
+              </a:ext>
+            </a:extLst>
+          </p:cNvPr>
+          <p:cNvPicPr>
+            <a:picLocks noChangeAspect="1" noChangeArrowheads="1"/>
+          </p:cNvPicPr>
+          <p:nvPr/>
+        </p:nvPicPr>
+        <p:blipFill>
+          <a:blip r:embed="rId2">
+            <a:extLst>
+              <a:ext uri="{28A0092B-C50C-407E-A947-70E740481C1C}">
+                <a14:useLocalDpi xmlns:a14="http://schemas.microsoft.com/office/drawing/2010/main" val="0"/>
+              </a:ext>
+            </a:extLst>
+          </a:blip>
+          <a:srcRect/>
+          <a:stretch>
+            <a:fillRect/>
+          </a:stretch>
+        </p:blipFill>
+        <p:spPr bwMode="auto">
+          <a:xfrm>
+            <a:off x="292232" y="923828"/>
+            <a:ext cx="5929460" cy="3556088"/>
+          </a:xfrm>
+          <a:prstGeom prst="rect">
+            <a:avLst/>
+          </a:prstGeom>
+          <a:noFill/>
+          <a:extLst>
+            <a:ext uri="{909E8E84-426E-40DD-AFC4-6F175D3DCCD1}">
+              <a14:hiddenFill xmlns:a14="http://schemas.microsoft.com/office/drawing/2010/main">
+                <a:solidFill>
+                  <a:srgbClr val="FFFFFF"/>
+                </a:solidFill>
+              </a14:hiddenFill>
+            </a:ext>
+          </a:extLst>
+        </p:spPr>
+      </p:pic>
+      <p:sp>
+        <p:nvSpPr>
+          <p:cNvPr id="5" name="TextBox 4">
+            <a:extLst>
+              <a:ext uri="{FF2B5EF4-FFF2-40B4-BE49-F238E27FC236}">
+                <a16:creationId xmlns:a16="http://schemas.microsoft.com/office/drawing/2014/main" id="{07CD19F2-2219-0D7D-C5CA-9C8FC54DAC5E}"/>
+              </a:ext>
+            </a:extLst>
+          </p:cNvPr>
           <p:cNvSpPr txBox="1"/>
           <p:nvPr/>
         </p:nvSpPr>
         <p:spPr>
           <a:xfrm>
-            <a:off x="4072466" y="3303027"/>
-            <a:ext cx="4072467" cy="769441"/>
+            <a:off x="6363093" y="970961"/>
+            <a:ext cx="5137608" cy="4555093"/>
           </a:xfrm>
           <a:prstGeom prst="rect">
             <a:avLst/>
           </a:prstGeom>
           <a:noFill/>
-          <a:ln>
-            <a:noFill/>
-          </a:ln>
         </p:spPr>
         <p:txBody>
-          <a:bodyPr spcFirstLastPara="1" wrap="square" lIns="91425" tIns="45700" rIns="91425" bIns="45700" anchor="t" anchorCtr="0">
+          <a:bodyPr wrap="square" rtlCol="0">
             <a:spAutoFit/>
           </a:bodyPr>
           <a:lstStyle/>
           <a:p>
-            <a:pPr marL="0" marR="0" lvl="0" indent="0" algn="ctr" rtl="0">
-              <a:lnSpc>
-                <a:spcPct val="100000"/>
-              </a:lnSpc>
-              <a:spcBef>
-                <a:spcPts val="0"/>
-              </a:spcBef>
-              <a:spcAft>
-                <a:spcPts val="0"/>
-              </a:spcAft>
-              <a:buClr>
-                <a:srgbClr val="000000"/>
-              </a:buClr>
-              <a:buSzPts val="4400"/>
-              <a:buFont typeface="Arial"/>
+            <a:pPr algn="just"/>
+            <a:r>
+              <a:rPr lang="en-IN" sz="1800" b="1" dirty="0">
+                <a:latin typeface="Times New Roman" panose="02020603050405020304" pitchFamily="18" charset="0"/>
+                <a:cs typeface="Times New Roman" panose="02020603050405020304" pitchFamily="18" charset="0"/>
+              </a:rPr>
+              <a:t>Real-Time Dataset Monitor</a:t>
+            </a:r>
+          </a:p>
+          <a:p>
+            <a:pPr algn="just"/>
+            <a:r>
+              <a:rPr lang="en-IN" sz="1600" dirty="0">
+                <a:latin typeface="Times New Roman" panose="02020603050405020304" pitchFamily="18" charset="0"/>
+                <a:cs typeface="Times New Roman" panose="02020603050405020304" pitchFamily="18" charset="0"/>
+              </a:rPr>
+              <a:t>Here the Datasets of Pre-Recorded ECG signals will be uploaded to the website as a backend source.</a:t>
+            </a:r>
+          </a:p>
+          <a:p>
+            <a:pPr algn="just"/>
+            <a:r>
+              <a:rPr lang="en-IN" sz="1600" dirty="0">
+                <a:latin typeface="Times New Roman" panose="02020603050405020304" pitchFamily="18" charset="0"/>
+                <a:cs typeface="Times New Roman" panose="02020603050405020304" pitchFamily="18" charset="0"/>
+              </a:rPr>
+              <a:t>By clicking the browse files option we can upload the datasets to the website to monitor the heartbeat in real-time and making a graph according to it.</a:t>
+            </a:r>
+          </a:p>
+          <a:p>
+            <a:pPr algn="just"/>
+            <a:r>
+              <a:rPr lang="en-IN" sz="1600" dirty="0">
+                <a:latin typeface="Times New Roman" panose="02020603050405020304" pitchFamily="18" charset="0"/>
+                <a:cs typeface="Times New Roman" panose="02020603050405020304" pitchFamily="18" charset="0"/>
+              </a:rPr>
+              <a:t>The datasets we upload can be of the format (CSV, XSLX, JSON) we will be taking the </a:t>
+            </a:r>
+            <a:r>
+              <a:rPr lang="en-IN" sz="1600" dirty="0" err="1">
+                <a:latin typeface="Times New Roman" panose="02020603050405020304" pitchFamily="18" charset="0"/>
+                <a:cs typeface="Times New Roman" panose="02020603050405020304" pitchFamily="18" charset="0"/>
+              </a:rPr>
+              <a:t>json</a:t>
+            </a:r>
+            <a:r>
+              <a:rPr lang="en-IN" sz="1600" dirty="0">
+                <a:latin typeface="Times New Roman" panose="02020603050405020304" pitchFamily="18" charset="0"/>
+                <a:cs typeface="Times New Roman" panose="02020603050405020304" pitchFamily="18" charset="0"/>
+              </a:rPr>
+              <a:t> format files for the reference.</a:t>
+            </a:r>
+          </a:p>
+          <a:p>
+            <a:pPr algn="just"/>
+            <a:r>
+              <a:rPr lang="en-IN" sz="1600" dirty="0">
+                <a:latin typeface="Times New Roman" panose="02020603050405020304" pitchFamily="18" charset="0"/>
+                <a:cs typeface="Times New Roman" panose="02020603050405020304" pitchFamily="18" charset="0"/>
+              </a:rPr>
+              <a:t>The website is designed or hosted through the website called </a:t>
+            </a:r>
+            <a:r>
+              <a:rPr lang="en-IN" sz="1600" dirty="0" err="1">
+                <a:latin typeface="Times New Roman" panose="02020603050405020304" pitchFamily="18" charset="0"/>
+                <a:cs typeface="Times New Roman" panose="02020603050405020304" pitchFamily="18" charset="0"/>
+              </a:rPr>
+              <a:t>StreamLit</a:t>
+            </a:r>
+            <a:r>
+              <a:rPr lang="en-IN" sz="1600" dirty="0">
+                <a:latin typeface="Times New Roman" panose="02020603050405020304" pitchFamily="18" charset="0"/>
+                <a:cs typeface="Times New Roman" panose="02020603050405020304" pitchFamily="18" charset="0"/>
+              </a:rPr>
+              <a:t> application where we can create an environment to monitor the ECG signals in real-time and plot the graph according to it.</a:t>
+            </a:r>
+          </a:p>
+          <a:p>
+            <a:pPr algn="just"/>
+            <a:r>
+              <a:rPr lang="en-IN" sz="1600" dirty="0">
+                <a:latin typeface="Times New Roman" panose="02020603050405020304" pitchFamily="18" charset="0"/>
+                <a:cs typeface="Times New Roman" panose="02020603050405020304" pitchFamily="18" charset="0"/>
+              </a:rPr>
+              <a:t>We can connect the ECG electrodes to mobile phone and record the signals and we can get the graph or required information in the website.</a:t>
+            </a:r>
+          </a:p>
+          <a:p>
+            <a:pPr algn="just"/>
+            <a:r>
+              <a:rPr lang="en-IN" sz="1600" dirty="0">
+                <a:latin typeface="Times New Roman" panose="02020603050405020304" pitchFamily="18" charset="0"/>
+                <a:cs typeface="Times New Roman" panose="02020603050405020304" pitchFamily="18" charset="0"/>
+              </a:rPr>
+              <a:t>This website helps to monitor the heartbeat of a person through the connected electrodes .</a:t>
+            </a:r>
+          </a:p>
+        </p:txBody>
+      </p:sp>
+    </p:spTree>
+    <p:extLst>
+      <p:ext uri="{BB962C8B-B14F-4D97-AF65-F5344CB8AC3E}">
+        <p14:creationId xmlns:p14="http://schemas.microsoft.com/office/powerpoint/2010/main" val="1196314998"/>
+      </p:ext>
+    </p:extLst>
+  </p:cSld>
+  <p:clrMapOvr>
+    <a:masterClrMapping/>
+  </p:clrMapOvr>
+</p:sld>
+</file>
+
+<file path=ppt/slides/slide16.xml><?xml version="1.0" encoding="utf-8"?>
+<p:sld xmlns:a="http://schemas.openxmlformats.org/drawingml/2006/main" xmlns:r="http://schemas.openxmlformats.org/officeDocument/2006/relationships" xmlns:p="http://schemas.openxmlformats.org/presentationml/2006/main">
+  <p:cSld>
+    <p:spTree>
+      <p:nvGrpSpPr>
+        <p:cNvPr id="1" name=""/>
+        <p:cNvGrpSpPr/>
+        <p:nvPr/>
+      </p:nvGrpSpPr>
+      <p:grpSpPr>
+        <a:xfrm>
+          <a:off x="0" y="0"/>
+          <a:ext cx="0" cy="0"/>
+          <a:chOff x="0" y="0"/>
+          <a:chExt cx="0" cy="0"/>
+        </a:xfrm>
+      </p:grpSpPr>
+      <p:sp>
+        <p:nvSpPr>
+          <p:cNvPr id="3" name="Slide Number Placeholder 2">
+            <a:extLst>
+              <a:ext uri="{FF2B5EF4-FFF2-40B4-BE49-F238E27FC236}">
+                <a16:creationId xmlns:a16="http://schemas.microsoft.com/office/drawing/2014/main" id="{F11B35E2-3877-9AF8-7251-AA179DC6F640}"/>
+              </a:ext>
+            </a:extLst>
+          </p:cNvPr>
+          <p:cNvSpPr>
+            <a:spLocks noGrp="1"/>
+          </p:cNvSpPr>
+          <p:nvPr>
+            <p:ph type="sldNum" idx="12"/>
+          </p:nvPr>
+        </p:nvSpPr>
+        <p:spPr/>
+        <p:txBody>
+          <a:bodyPr/>
+          <a:lstStyle/>
+          <a:p>
+            <a:pPr marL="0" lvl="0" indent="0" algn="r" rtl="0">
+              <a:spcBef>
+                <a:spcPts val="0"/>
+              </a:spcBef>
+              <a:spcAft>
+                <a:spcPts val="0"/>
+              </a:spcAft>
               <a:buNone/>
             </a:pPr>
+            <a:fld id="{00000000-1234-1234-1234-123412341234}" type="slidenum">
+              <a:rPr lang="en-US" smtClean="0"/>
+              <a:t>16</a:t>
+            </a:fld>
+            <a:endParaRPr lang="en-US" dirty="0"/>
+          </a:p>
+        </p:txBody>
+      </p:sp>
+      <p:sp>
+        <p:nvSpPr>
+          <p:cNvPr id="4" name="TextBox 3">
+            <a:extLst>
+              <a:ext uri="{FF2B5EF4-FFF2-40B4-BE49-F238E27FC236}">
+                <a16:creationId xmlns:a16="http://schemas.microsoft.com/office/drawing/2014/main" id="{08B3367E-4D76-49E9-FD03-A9B72F0A796B}"/>
+              </a:ext>
+            </a:extLst>
+          </p:cNvPr>
+          <p:cNvSpPr txBox="1"/>
+          <p:nvPr/>
+        </p:nvSpPr>
+        <p:spPr>
+          <a:xfrm>
+            <a:off x="203200" y="853440"/>
+            <a:ext cx="11673840" cy="707886"/>
+          </a:xfrm>
+          <a:prstGeom prst="rect">
+            <a:avLst/>
+          </a:prstGeom>
+          <a:noFill/>
+        </p:spPr>
+        <p:txBody>
+          <a:bodyPr wrap="square" rtlCol="0">
+            <a:spAutoFit/>
+          </a:bodyPr>
+          <a:lstStyle/>
+          <a:p>
             <a:r>
-              <a:rPr lang="en-US" sz="4400" b="0" i="0" u="none" strike="noStrike" cap="none">
-                <a:solidFill>
-                  <a:srgbClr val="DF2A36"/>
-                </a:solidFill>
-                <a:latin typeface="Arial"/>
-                <a:ea typeface="Arial"/>
-                <a:cs typeface="Arial"/>
-                <a:sym typeface="Arial"/>
+              <a:rPr lang="en-IN" sz="2000" dirty="0">
+                <a:latin typeface="Times New Roman" panose="02020603050405020304" pitchFamily="18" charset="0"/>
+                <a:cs typeface="Times New Roman" panose="02020603050405020304" pitchFamily="18" charset="0"/>
               </a:rPr>
-              <a:t>THANK YOU</a:t>
+              <a:t>ECG_Monitor Application</a:t>
             </a:r>
-            <a:endParaRPr sz="4400" b="0" i="0" u="none" strike="noStrike" cap="none">
-              <a:solidFill>
-                <a:srgbClr val="DF2A36"/>
-              </a:solidFill>
-              <a:latin typeface="Arial"/>
-              <a:ea typeface="Arial"/>
-              <a:cs typeface="Arial"/>
-              <a:sym typeface="Arial"/>
+          </a:p>
+          <a:p>
+            <a:endParaRPr lang="en-IN" sz="2000" dirty="0">
+              <a:latin typeface="Times New Roman" panose="02020603050405020304" pitchFamily="18" charset="0"/>
+              <a:cs typeface="Times New Roman" panose="02020603050405020304" pitchFamily="18" charset="0"/>
             </a:endParaRPr>
           </a:p>
         </p:txBody>
       </p:sp>
       <p:pic>
         <p:nvPicPr>
-          <p:cNvPr id="231" name="Google Shape;231;p35"/>
-          <p:cNvPicPr preferRelativeResize="0"/>
+          <p:cNvPr id="8" name="Picture 7">
+            <a:extLst>
+              <a:ext uri="{FF2B5EF4-FFF2-40B4-BE49-F238E27FC236}">
+                <a16:creationId xmlns:a16="http://schemas.microsoft.com/office/drawing/2014/main" id="{82EF71B7-6A09-C65D-56B7-2A403804BA7F}"/>
+              </a:ext>
+            </a:extLst>
+          </p:cNvPr>
+          <p:cNvPicPr>
+            <a:picLocks noChangeAspect="1"/>
+          </p:cNvPicPr>
           <p:nvPr/>
         </p:nvPicPr>
-        <p:blipFill rotWithShape="1">
-          <a:blip r:embed="rId3">
-            <a:alphaModFix/>
-          </a:blip>
-          <a:srcRect l="22326" t="32664" r="11837" b="35102"/>
+        <p:blipFill>
+          <a:blip r:embed="rId2"/>
+          <a:srcRect l="3065" r="16896"/>
           <a:stretch/>
         </p:blipFill>
         <p:spPr>
           <a:xfrm>
-            <a:off x="262467" y="258234"/>
-            <a:ext cx="1504951" cy="423333"/>
+            <a:off x="4358640" y="853440"/>
+            <a:ext cx="5262878" cy="4009005"/>
+          </a:xfrm>
+          <a:prstGeom prst="rect">
+            <a:avLst/>
+          </a:prstGeom>
+        </p:spPr>
+      </p:pic>
+      <p:sp>
+        <p:nvSpPr>
+          <p:cNvPr id="9" name="TextBox 8">
+            <a:extLst>
+              <a:ext uri="{FF2B5EF4-FFF2-40B4-BE49-F238E27FC236}">
+                <a16:creationId xmlns:a16="http://schemas.microsoft.com/office/drawing/2014/main" id="{241983DB-3AE8-A67E-8664-C0F3DED3000B}"/>
+              </a:ext>
+            </a:extLst>
+          </p:cNvPr>
+          <p:cNvSpPr txBox="1"/>
+          <p:nvPr/>
+        </p:nvSpPr>
+        <p:spPr>
+          <a:xfrm>
+            <a:off x="4287520" y="5080000"/>
+            <a:ext cx="6664960" cy="646331"/>
           </a:xfrm>
           <a:prstGeom prst="rect">
             <a:avLst/>
           </a:prstGeom>
           <a:noFill/>
-          <a:ln>
-            <a:noFill/>
-          </a:ln>
         </p:spPr>
-      </p:pic>
-      <p:grpSp>
-        <p:nvGrpSpPr>
-          <p:cNvPr id="232" name="Google Shape;232;p35"/>
-          <p:cNvGrpSpPr/>
-          <p:nvPr/>
-        </p:nvGrpSpPr>
-        <p:grpSpPr>
-          <a:xfrm>
-            <a:off x="11856720" y="1182857"/>
-            <a:ext cx="223520" cy="990718"/>
-            <a:chOff x="11856720" y="140636"/>
-            <a:chExt cx="223520" cy="990718"/>
-          </a:xfrm>
-        </p:grpSpPr>
-        <p:grpSp>
-          <p:nvGrpSpPr>
-            <p:cNvPr id="233" name="Google Shape;233;p35"/>
-            <p:cNvGrpSpPr/>
-            <p:nvPr/>
-          </p:nvGrpSpPr>
-          <p:grpSpPr>
-            <a:xfrm>
-              <a:off x="11856720" y="660278"/>
-              <a:ext cx="223520" cy="471076"/>
-              <a:chOff x="9734551" y="3138055"/>
-              <a:chExt cx="2457449" cy="1328450"/>
-            </a:xfrm>
-          </p:grpSpPr>
-          <p:sp>
-            <p:nvSpPr>
-              <p:cNvPr id="234" name="Google Shape;234;p35"/>
-              <p:cNvSpPr/>
-              <p:nvPr/>
-            </p:nvSpPr>
-            <p:spPr>
-              <a:xfrm>
-                <a:off x="9759949" y="3870759"/>
-                <a:ext cx="2432051" cy="595746"/>
-              </a:xfrm>
-              <a:prstGeom prst="rect">
-                <a:avLst/>
-              </a:prstGeom>
-              <a:solidFill>
-                <a:srgbClr val="E12730"/>
-              </a:solidFill>
-              <a:ln>
-                <a:noFill/>
-              </a:ln>
-            </p:spPr>
-            <p:txBody>
-              <a:bodyPr spcFirstLastPara="1" wrap="square" lIns="91425" tIns="45700" rIns="91425" bIns="45700" anchor="ctr" anchorCtr="0">
-                <a:noAutofit/>
-              </a:bodyPr>
-              <a:lstStyle/>
-              <a:p>
-                <a:pPr marL="0" marR="0" lvl="0" indent="0" algn="ctr" rtl="0">
-                  <a:lnSpc>
-                    <a:spcPct val="100000"/>
-                  </a:lnSpc>
-                  <a:spcBef>
-                    <a:spcPts val="0"/>
-                  </a:spcBef>
-                  <a:spcAft>
-                    <a:spcPts val="0"/>
-                  </a:spcAft>
-                  <a:buClr>
-                    <a:srgbClr val="000000"/>
-                  </a:buClr>
-                  <a:buSzPts val="1351"/>
-                  <a:buFont typeface="Arial"/>
-                  <a:buNone/>
-                </a:pPr>
-                <a:endParaRPr sz="1351" b="0" i="0" u="none" strike="noStrike" cap="none">
-                  <a:solidFill>
-                    <a:schemeClr val="lt1"/>
-                  </a:solidFill>
-                  <a:latin typeface="Calibri"/>
-                  <a:ea typeface="Calibri"/>
-                  <a:cs typeface="Calibri"/>
-                  <a:sym typeface="Calibri"/>
-                </a:endParaRPr>
-              </a:p>
-            </p:txBody>
-          </p:sp>
-          <p:sp>
-            <p:nvSpPr>
-              <p:cNvPr id="235" name="Google Shape;235;p35"/>
-              <p:cNvSpPr/>
-              <p:nvPr/>
-            </p:nvSpPr>
-            <p:spPr>
-              <a:xfrm>
-                <a:off x="9734551" y="3138055"/>
-                <a:ext cx="2457449" cy="595746"/>
-              </a:xfrm>
-              <a:prstGeom prst="rect">
-                <a:avLst/>
-              </a:prstGeom>
-              <a:solidFill>
-                <a:srgbClr val="51C6E7"/>
-              </a:solidFill>
-              <a:ln>
-                <a:noFill/>
-              </a:ln>
-            </p:spPr>
-            <p:txBody>
-              <a:bodyPr spcFirstLastPara="1" wrap="square" lIns="91425" tIns="45700" rIns="91425" bIns="45700" anchor="ctr" anchorCtr="0">
-                <a:noAutofit/>
-              </a:bodyPr>
-              <a:lstStyle/>
-              <a:p>
-                <a:pPr marL="0" marR="0" lvl="0" indent="0" algn="ctr" rtl="0">
-                  <a:lnSpc>
-                    <a:spcPct val="100000"/>
-                  </a:lnSpc>
-                  <a:spcBef>
-                    <a:spcPts val="0"/>
-                  </a:spcBef>
-                  <a:spcAft>
-                    <a:spcPts val="0"/>
-                  </a:spcAft>
-                  <a:buClr>
-                    <a:srgbClr val="000000"/>
-                  </a:buClr>
-                  <a:buSzPts val="1351"/>
-                  <a:buFont typeface="Arial"/>
-                  <a:buNone/>
-                </a:pPr>
-                <a:endParaRPr sz="1351" b="0" i="0" u="none" strike="noStrike" cap="none">
-                  <a:solidFill>
-                    <a:schemeClr val="lt1"/>
-                  </a:solidFill>
-                  <a:latin typeface="Calibri"/>
-                  <a:ea typeface="Calibri"/>
-                  <a:cs typeface="Calibri"/>
-                  <a:sym typeface="Calibri"/>
-                </a:endParaRPr>
-              </a:p>
-            </p:txBody>
-          </p:sp>
-        </p:grpSp>
-        <p:grpSp>
-          <p:nvGrpSpPr>
-            <p:cNvPr id="236" name="Google Shape;236;p35"/>
-            <p:cNvGrpSpPr/>
-            <p:nvPr/>
-          </p:nvGrpSpPr>
-          <p:grpSpPr>
-            <a:xfrm>
-              <a:off x="11856720" y="140636"/>
-              <a:ext cx="223520" cy="471076"/>
-              <a:chOff x="9734551" y="3138055"/>
-              <a:chExt cx="2457449" cy="1328450"/>
-            </a:xfrm>
-          </p:grpSpPr>
-          <p:sp>
-            <p:nvSpPr>
-              <p:cNvPr id="237" name="Google Shape;237;p35"/>
-              <p:cNvSpPr/>
-              <p:nvPr/>
-            </p:nvSpPr>
-            <p:spPr>
-              <a:xfrm>
-                <a:off x="9759949" y="3870759"/>
-                <a:ext cx="2432051" cy="595746"/>
-              </a:xfrm>
-              <a:prstGeom prst="rect">
-                <a:avLst/>
-              </a:prstGeom>
-              <a:solidFill>
-                <a:srgbClr val="F7A54B"/>
-              </a:solidFill>
-              <a:ln>
-                <a:noFill/>
-              </a:ln>
-            </p:spPr>
-            <p:txBody>
-              <a:bodyPr spcFirstLastPara="1" wrap="square" lIns="91425" tIns="45700" rIns="91425" bIns="45700" anchor="ctr" anchorCtr="0">
-                <a:noAutofit/>
-              </a:bodyPr>
-              <a:lstStyle/>
-              <a:p>
-                <a:pPr marL="0" marR="0" lvl="0" indent="0" algn="ctr" rtl="0">
-                  <a:lnSpc>
-                    <a:spcPct val="100000"/>
-                  </a:lnSpc>
-                  <a:spcBef>
-                    <a:spcPts val="0"/>
-                  </a:spcBef>
-                  <a:spcAft>
-                    <a:spcPts val="0"/>
-                  </a:spcAft>
-                  <a:buClr>
-                    <a:srgbClr val="000000"/>
-                  </a:buClr>
-                  <a:buSzPts val="1351"/>
-                  <a:buFont typeface="Arial"/>
-                  <a:buNone/>
-                </a:pPr>
-                <a:endParaRPr sz="1351" b="0" i="0" u="none" strike="noStrike" cap="none">
-                  <a:solidFill>
-                    <a:schemeClr val="lt1"/>
-                  </a:solidFill>
-                  <a:latin typeface="Calibri"/>
-                  <a:ea typeface="Calibri"/>
-                  <a:cs typeface="Calibri"/>
-                  <a:sym typeface="Calibri"/>
-                </a:endParaRPr>
-              </a:p>
-            </p:txBody>
-          </p:sp>
-          <p:sp>
-            <p:nvSpPr>
-              <p:cNvPr id="238" name="Google Shape;238;p35"/>
-              <p:cNvSpPr/>
-              <p:nvPr/>
-            </p:nvSpPr>
-            <p:spPr>
-              <a:xfrm>
-                <a:off x="9734551" y="3138055"/>
-                <a:ext cx="2457449" cy="595746"/>
-              </a:xfrm>
-              <a:prstGeom prst="rect">
-                <a:avLst/>
-              </a:prstGeom>
-              <a:solidFill>
-                <a:srgbClr val="3A3A70"/>
-              </a:solidFill>
-              <a:ln>
-                <a:noFill/>
-              </a:ln>
-            </p:spPr>
-            <p:txBody>
-              <a:bodyPr spcFirstLastPara="1" wrap="square" lIns="91425" tIns="45700" rIns="91425" bIns="45700" anchor="ctr" anchorCtr="0">
-                <a:noAutofit/>
-              </a:bodyPr>
-              <a:lstStyle/>
-              <a:p>
-                <a:pPr marL="0" marR="0" lvl="0" indent="0" algn="ctr" rtl="0">
-                  <a:lnSpc>
-                    <a:spcPct val="100000"/>
-                  </a:lnSpc>
-                  <a:spcBef>
-                    <a:spcPts val="0"/>
-                  </a:spcBef>
-                  <a:spcAft>
-                    <a:spcPts val="0"/>
-                  </a:spcAft>
-                  <a:buClr>
-                    <a:srgbClr val="000000"/>
-                  </a:buClr>
-                  <a:buSzPts val="1351"/>
-                  <a:buFont typeface="Arial"/>
-                  <a:buNone/>
-                </a:pPr>
-                <a:endParaRPr sz="1351" b="0" i="0" u="none" strike="noStrike" cap="none">
-                  <a:solidFill>
-                    <a:schemeClr val="lt1"/>
-                  </a:solidFill>
-                  <a:latin typeface="Calibri"/>
-                  <a:ea typeface="Calibri"/>
-                  <a:cs typeface="Calibri"/>
-                  <a:sym typeface="Calibri"/>
-                </a:endParaRPr>
-              </a:p>
-            </p:txBody>
-          </p:sp>
-        </p:grpSp>
-      </p:grpSp>
+        <p:txBody>
+          <a:bodyPr wrap="square" rtlCol="0">
+            <a:spAutoFit/>
+          </a:bodyPr>
+          <a:lstStyle/>
+          <a:p>
+            <a:r>
+              <a:rPr lang="en-IN" sz="1800" dirty="0">
+                <a:latin typeface="Times New Roman" panose="02020603050405020304" pitchFamily="18" charset="0"/>
+                <a:cs typeface="Times New Roman" panose="02020603050405020304" pitchFamily="18" charset="0"/>
+              </a:rPr>
+              <a:t>This is the basic structure of the application for monitoring the heartbeat after clicking on the option Start Monitor.</a:t>
+            </a:r>
+          </a:p>
+        </p:txBody>
+      </p:sp>
       <p:pic>
         <p:nvPicPr>
-          <p:cNvPr id="239" name="Google Shape;239;p35"/>
-          <p:cNvPicPr preferRelativeResize="0"/>
+          <p:cNvPr id="11" name="Picture 10">
+            <a:extLst>
+              <a:ext uri="{FF2B5EF4-FFF2-40B4-BE49-F238E27FC236}">
+                <a16:creationId xmlns:a16="http://schemas.microsoft.com/office/drawing/2014/main" id="{12BF47B7-FC3F-C2D8-E61A-92B3F0AA4B56}"/>
+              </a:ext>
+            </a:extLst>
+          </p:cNvPr>
+          <p:cNvPicPr>
+            <a:picLocks noChangeAspect="1"/>
+          </p:cNvPicPr>
           <p:nvPr/>
         </p:nvPicPr>
-        <p:blipFill rotWithShape="1">
-          <a:blip r:embed="rId4">
-            <a:alphaModFix/>
-          </a:blip>
-          <a:srcRect/>
-          <a:stretch/>
+        <p:blipFill>
+          <a:blip r:embed="rId3"/>
+          <a:stretch>
+            <a:fillRect/>
+          </a:stretch>
         </p:blipFill>
         <p:spPr>
           <a:xfrm>
-            <a:off x="7787216" y="2586568"/>
-            <a:ext cx="4931834" cy="4931834"/>
+            <a:off x="314960" y="1368848"/>
+            <a:ext cx="3086367" cy="4892464"/>
           </a:xfrm>
           <a:prstGeom prst="rect">
             <a:avLst/>
           </a:prstGeom>
-          <a:noFill/>
-          <a:ln>
-            <a:noFill/>
-          </a:ln>
         </p:spPr>
       </p:pic>
     </p:spTree>
     <p:extLst>
       <p:ext uri="{BB962C8B-B14F-4D97-AF65-F5344CB8AC3E}">
-        <p14:creationId xmlns:p14="http://schemas.microsoft.com/office/powerpoint/2010/main" val="2073434753"/>
+        <p14:creationId xmlns:p14="http://schemas.microsoft.com/office/powerpoint/2010/main" val="1498709727"/>
       </p:ext>
     </p:extLst>
   </p:cSld>
   <p:clrMapOvr>
     <a:masterClrMapping/>
   </p:clrMapOvr>
-  <p:timing>
-    <p:tnLst>
-      <p:par>
-        <p:cTn id="1" dur="indefinite" restart="never" nodeType="tmRoot">
-          <p:childTnLst>
-            <p:seq concurrent="1" nextAc="seek">
-              <p:cTn id="2" dur="indefinite" nodeType="mainSeq">
-                <p:childTnLst>
-                  <p:par>
-                    <p:cTn id="3" fill="hold">
-                      <p:stCondLst>
-                        <p:cond delay="indefinite"/>
-                        <p:cond evt="onBegin" delay="0">
-                          <p:tn val="2"/>
-                        </p:cond>
-                      </p:stCondLst>
-                      <p:childTnLst>
-                        <p:par>
-                          <p:cTn id="4" fill="hold">
-                            <p:stCondLst>
-                              <p:cond delay="0"/>
-                            </p:stCondLst>
-                            <p:childTnLst>
-                              <p:par>
-                                <p:cTn id="5" presetID="10" presetClass="entr" presetSubtype="0" fill="hold" nodeType="withEffect">
-                                  <p:stCondLst>
-                                    <p:cond delay="0"/>
-                                  </p:stCondLst>
-                                  <p:childTnLst>
-                                    <p:set>
-                                      <p:cBhvr>
-                                        <p:cTn id="6" dur="1" fill="hold">
-                                          <p:stCondLst>
-                                            <p:cond delay="0"/>
-                                          </p:stCondLst>
-                                        </p:cTn>
-                                        <p:tgtEl>
-                                          <p:spTgt spid="230"/>
-                                        </p:tgtEl>
-                                        <p:attrNameLst>
-                                          <p:attrName>style.visibility</p:attrName>
-                                        </p:attrNameLst>
-                                      </p:cBhvr>
-                                      <p:to>
-                                        <p:strVal val="visible"/>
-                                      </p:to>
-                                    </p:set>
-                                    <p:animEffect transition="in" filter="fade">
-                                      <p:cBhvr>
-                                        <p:cTn id="7" dur="500"/>
-                                        <p:tgtEl>
-                                          <p:spTgt spid="230"/>
-                                        </p:tgtEl>
-                                      </p:cBhvr>
-                                    </p:animEffect>
-                                  </p:childTnLst>
-                                </p:cTn>
-                              </p:par>
-                            </p:childTnLst>
-                          </p:cTn>
-                        </p:par>
-                      </p:childTnLst>
-                    </p:cTn>
-                  </p:par>
-                </p:childTnLst>
-              </p:cTn>
-              <p:prevCondLst>
-                <p:cond evt="onPrev" delay="0">
-                  <p:tgtEl>
-                    <p:sldTgt/>
-                  </p:tgtEl>
-                </p:cond>
-              </p:prevCondLst>
-              <p:nextCondLst>
-                <p:cond evt="onNext" delay="0">
-                  <p:tgtEl>
-                    <p:sldTgt/>
-                  </p:tgtEl>
-                </p:cond>
-              </p:nextCondLst>
-            </p:seq>
-          </p:childTnLst>
-        </p:cTn>
-      </p:par>
-    </p:tnLst>
-  </p:timing>
+</p:sld>
+</file>
+
+<file path=ppt/slides/slide17.xml><?xml version="1.0" encoding="utf-8"?>
+<p:sld xmlns:a="http://schemas.openxmlformats.org/drawingml/2006/main" xmlns:r="http://schemas.openxmlformats.org/officeDocument/2006/relationships" xmlns:p="http://schemas.openxmlformats.org/presentationml/2006/main">
+  <p:cSld>
+    <p:spTree>
+      <p:nvGrpSpPr>
+        <p:cNvPr id="1" name=""/>
+        <p:cNvGrpSpPr/>
+        <p:nvPr/>
+      </p:nvGrpSpPr>
+      <p:grpSpPr>
+        <a:xfrm>
+          <a:off x="0" y="0"/>
+          <a:ext cx="0" cy="0"/>
+          <a:chOff x="0" y="0"/>
+          <a:chExt cx="0" cy="0"/>
+        </a:xfrm>
+      </p:grpSpPr>
+      <p:sp>
+        <p:nvSpPr>
+          <p:cNvPr id="3" name="Slide Number Placeholder 2">
+            <a:extLst>
+              <a:ext uri="{FF2B5EF4-FFF2-40B4-BE49-F238E27FC236}">
+                <a16:creationId xmlns:a16="http://schemas.microsoft.com/office/drawing/2014/main" id="{0892D2CF-4DA4-6E18-8A5F-EF77DC465276}"/>
+              </a:ext>
+            </a:extLst>
+          </p:cNvPr>
+          <p:cNvSpPr>
+            <a:spLocks noGrp="1"/>
+          </p:cNvSpPr>
+          <p:nvPr>
+            <p:ph type="sldNum" idx="12"/>
+          </p:nvPr>
+        </p:nvSpPr>
+        <p:spPr/>
+        <p:txBody>
+          <a:bodyPr/>
+          <a:lstStyle/>
+          <a:p>
+            <a:pPr marL="0" lvl="0" indent="0" algn="r" rtl="0">
+              <a:spcBef>
+                <a:spcPts val="0"/>
+              </a:spcBef>
+              <a:spcAft>
+                <a:spcPts val="0"/>
+              </a:spcAft>
+              <a:buNone/>
+            </a:pPr>
+            <a:fld id="{00000000-1234-1234-1234-123412341234}" type="slidenum">
+              <a:rPr lang="en-US" smtClean="0"/>
+              <a:t>17</a:t>
+            </a:fld>
+            <a:endParaRPr lang="en-US" dirty="0"/>
+          </a:p>
+        </p:txBody>
+      </p:sp>
+      <p:sp>
+        <p:nvSpPr>
+          <p:cNvPr id="4" name="TextBox 3">
+            <a:extLst>
+              <a:ext uri="{FF2B5EF4-FFF2-40B4-BE49-F238E27FC236}">
+                <a16:creationId xmlns:a16="http://schemas.microsoft.com/office/drawing/2014/main" id="{47FABD80-80B7-46A4-2482-4444B86061CC}"/>
+              </a:ext>
+            </a:extLst>
+          </p:cNvPr>
+          <p:cNvSpPr txBox="1"/>
+          <p:nvPr/>
+        </p:nvSpPr>
+        <p:spPr>
+          <a:xfrm>
+            <a:off x="320511" y="754144"/>
+            <a:ext cx="11340446" cy="4401205"/>
+          </a:xfrm>
+          <a:prstGeom prst="rect">
+            <a:avLst/>
+          </a:prstGeom>
+          <a:noFill/>
+        </p:spPr>
+        <p:txBody>
+          <a:bodyPr wrap="square" rtlCol="0">
+            <a:spAutoFit/>
+          </a:bodyPr>
+          <a:lstStyle/>
+          <a:p>
+            <a:pPr algn="just"/>
+            <a:r>
+              <a:rPr lang="en-IN" sz="2000" dirty="0">
+                <a:latin typeface="Times New Roman" panose="02020603050405020304" pitchFamily="18" charset="0"/>
+                <a:cs typeface="Times New Roman" panose="02020603050405020304" pitchFamily="18" charset="0"/>
+              </a:rPr>
+              <a:t>Types of Electrodes can be connect to mobile phone to monitor the heart-beat</a:t>
+            </a:r>
+          </a:p>
+          <a:p>
+            <a:pPr algn="just">
+              <a:buNone/>
+            </a:pPr>
+            <a:r>
+              <a:rPr lang="en-US" sz="2000" dirty="0">
+                <a:latin typeface="Times New Roman" panose="02020603050405020304" pitchFamily="18" charset="0"/>
+                <a:cs typeface="Times New Roman" panose="02020603050405020304" pitchFamily="18" charset="0"/>
+              </a:rPr>
+              <a:t>1. Dry Electrodes:</a:t>
+            </a:r>
+          </a:p>
+          <a:p>
+            <a:pPr algn="just"/>
+            <a:r>
+              <a:rPr lang="en-US" sz="2000" dirty="0">
+                <a:latin typeface="Times New Roman" panose="02020603050405020304" pitchFamily="18" charset="0"/>
+                <a:cs typeface="Times New Roman" panose="02020603050405020304" pitchFamily="18" charset="0"/>
+              </a:rPr>
+              <a:t>Description: These electrodes do not require gel and are easier to use for real-time monitoring.</a:t>
+            </a:r>
+          </a:p>
+          <a:p>
+            <a:pPr algn="just"/>
+            <a:r>
+              <a:rPr lang="en-US" sz="2000" dirty="0">
+                <a:latin typeface="Times New Roman" panose="02020603050405020304" pitchFamily="18" charset="0"/>
+                <a:cs typeface="Times New Roman" panose="02020603050405020304" pitchFamily="18" charset="0"/>
+              </a:rPr>
+              <a:t>Examples: </a:t>
+            </a:r>
+          </a:p>
+          <a:p>
+            <a:pPr marL="742950" lvl="1" indent="-285750" algn="just">
+              <a:buFont typeface="Arial" panose="020B0604020202020204" pitchFamily="34" charset="0"/>
+              <a:buChar char="•"/>
+            </a:pPr>
+            <a:r>
+              <a:rPr lang="en-US" sz="2000" dirty="0">
+                <a:latin typeface="Times New Roman" panose="02020603050405020304" pitchFamily="18" charset="0"/>
+                <a:cs typeface="Times New Roman" panose="02020603050405020304" pitchFamily="18" charset="0"/>
+              </a:rPr>
+              <a:t>Wearable ECG Monitors: Devices like KardiaMobile or AliveCor use dry electrodes for portable heart monitoring.</a:t>
+            </a:r>
+          </a:p>
+          <a:p>
+            <a:pPr marL="742950" lvl="1" indent="-285750" algn="just">
+              <a:buFont typeface="Arial" panose="020B0604020202020204" pitchFamily="34" charset="0"/>
+              <a:buChar char="•"/>
+            </a:pPr>
+            <a:r>
+              <a:rPr lang="en-US" sz="2000" dirty="0">
+                <a:latin typeface="Times New Roman" panose="02020603050405020304" pitchFamily="18" charset="0"/>
+                <a:cs typeface="Times New Roman" panose="02020603050405020304" pitchFamily="18" charset="0"/>
+              </a:rPr>
+              <a:t>Emfit QS: A wearable sensor using dry electrodes to monitor ECG signals.</a:t>
+            </a:r>
+          </a:p>
+          <a:p>
+            <a:pPr algn="just">
+              <a:buNone/>
+            </a:pPr>
+            <a:r>
+              <a:rPr lang="en-US" sz="2000" dirty="0">
+                <a:latin typeface="Times New Roman" panose="02020603050405020304" pitchFamily="18" charset="0"/>
+                <a:cs typeface="Times New Roman" panose="02020603050405020304" pitchFamily="18" charset="0"/>
+              </a:rPr>
+              <a:t>2. Wet Electrodes:</a:t>
+            </a:r>
+          </a:p>
+          <a:p>
+            <a:pPr algn="just"/>
+            <a:r>
+              <a:rPr lang="en-US" sz="2000" dirty="0">
+                <a:latin typeface="Times New Roman" panose="02020603050405020304" pitchFamily="18" charset="0"/>
+                <a:cs typeface="Times New Roman" panose="02020603050405020304" pitchFamily="18" charset="0"/>
+              </a:rPr>
+              <a:t>Description: Wet electrodes require a conductive gel to get a better signal but provide high-quality ECG recordings.</a:t>
+            </a:r>
+          </a:p>
+          <a:p>
+            <a:pPr algn="just"/>
+            <a:r>
+              <a:rPr lang="en-US" sz="2000" dirty="0">
+                <a:latin typeface="Times New Roman" panose="02020603050405020304" pitchFamily="18" charset="0"/>
+                <a:cs typeface="Times New Roman" panose="02020603050405020304" pitchFamily="18" charset="0"/>
+              </a:rPr>
+              <a:t>Examples: </a:t>
+            </a:r>
+          </a:p>
+          <a:p>
+            <a:pPr marL="742950" lvl="1" indent="-285750" algn="just">
+              <a:buFont typeface="Arial" panose="020B0604020202020204" pitchFamily="34" charset="0"/>
+              <a:buChar char="•"/>
+            </a:pPr>
+            <a:r>
+              <a:rPr lang="en-US" sz="2000" dirty="0">
+                <a:latin typeface="Times New Roman" panose="02020603050405020304" pitchFamily="18" charset="0"/>
+                <a:cs typeface="Times New Roman" panose="02020603050405020304" pitchFamily="18" charset="0"/>
+              </a:rPr>
+              <a:t>3M Red Dot Electrodes: Common in clinical settings but can be adapted for mobile applications.</a:t>
+            </a:r>
+          </a:p>
+          <a:p>
+            <a:pPr marL="742950" lvl="1" indent="-285750" algn="just">
+              <a:buFont typeface="Arial" panose="020B0604020202020204" pitchFamily="34" charset="0"/>
+              <a:buChar char="•"/>
+            </a:pPr>
+            <a:r>
+              <a:rPr lang="en-US" sz="2000" dirty="0">
+                <a:latin typeface="Times New Roman" panose="02020603050405020304" pitchFamily="18" charset="0"/>
+                <a:cs typeface="Times New Roman" panose="02020603050405020304" pitchFamily="18" charset="0"/>
+              </a:rPr>
+              <a:t>Biopotential Electrodes (e.g., BioRadio): These can be used to record ECG and connect to mobile devices via wireless technology.</a:t>
+            </a:r>
+          </a:p>
+        </p:txBody>
+      </p:sp>
+    </p:spTree>
+    <p:extLst>
+      <p:ext uri="{BB962C8B-B14F-4D97-AF65-F5344CB8AC3E}">
+        <p14:creationId xmlns:p14="http://schemas.microsoft.com/office/powerpoint/2010/main" val="90583741"/>
+      </p:ext>
+    </p:extLst>
+  </p:cSld>
+  <p:clrMapOvr>
+    <a:masterClrMapping/>
+  </p:clrMapOvr>
+</p:sld>
+</file>
+
+<file path=ppt/slides/slide18.xml><?xml version="1.0" encoding="utf-8"?>
+<p:sld xmlns:a="http://schemas.openxmlformats.org/drawingml/2006/main" xmlns:r="http://schemas.openxmlformats.org/officeDocument/2006/relationships" xmlns:p="http://schemas.openxmlformats.org/presentationml/2006/main">
+  <p:cSld>
+    <p:spTree>
+      <p:nvGrpSpPr>
+        <p:cNvPr id="1" name="">
+          <a:extLst>
+            <a:ext uri="{FF2B5EF4-FFF2-40B4-BE49-F238E27FC236}">
+              <a16:creationId xmlns:a16="http://schemas.microsoft.com/office/drawing/2014/main" id="{5C6F7A0A-5146-2B6E-F9F5-2DA3D0AB4D2A}"/>
+            </a:ext>
+          </a:extLst>
+        </p:cNvPr>
+        <p:cNvGrpSpPr/>
+        <p:nvPr/>
+      </p:nvGrpSpPr>
+      <p:grpSpPr>
+        <a:xfrm>
+          <a:off x="0" y="0"/>
+          <a:ext cx="0" cy="0"/>
+          <a:chOff x="0" y="0"/>
+          <a:chExt cx="0" cy="0"/>
+        </a:xfrm>
+      </p:grpSpPr>
+      <p:sp>
+        <p:nvSpPr>
+          <p:cNvPr id="3" name="Slide Number Placeholder 2">
+            <a:extLst>
+              <a:ext uri="{FF2B5EF4-FFF2-40B4-BE49-F238E27FC236}">
+                <a16:creationId xmlns:a16="http://schemas.microsoft.com/office/drawing/2014/main" id="{4F304B63-939B-7AA7-C783-A4F694F1CB2A}"/>
+              </a:ext>
+            </a:extLst>
+          </p:cNvPr>
+          <p:cNvSpPr>
+            <a:spLocks noGrp="1"/>
+          </p:cNvSpPr>
+          <p:nvPr>
+            <p:ph type="sldNum" idx="12"/>
+          </p:nvPr>
+        </p:nvSpPr>
+        <p:spPr/>
+        <p:txBody>
+          <a:bodyPr/>
+          <a:lstStyle/>
+          <a:p>
+            <a:pPr marL="0" lvl="0" indent="0" algn="r" rtl="0">
+              <a:spcBef>
+                <a:spcPts val="0"/>
+              </a:spcBef>
+              <a:spcAft>
+                <a:spcPts val="0"/>
+              </a:spcAft>
+              <a:buNone/>
+            </a:pPr>
+            <a:fld id="{00000000-1234-1234-1234-123412341234}" type="slidenum">
+              <a:rPr lang="en-US" smtClean="0"/>
+              <a:t>18</a:t>
+            </a:fld>
+            <a:endParaRPr lang="en-US" dirty="0"/>
+          </a:p>
+        </p:txBody>
+      </p:sp>
+      <p:sp>
+        <p:nvSpPr>
+          <p:cNvPr id="4" name="TextBox 3">
+            <a:extLst>
+              <a:ext uri="{FF2B5EF4-FFF2-40B4-BE49-F238E27FC236}">
+                <a16:creationId xmlns:a16="http://schemas.microsoft.com/office/drawing/2014/main" id="{93F3B109-E3B9-72E6-107C-FCF8F342462F}"/>
+              </a:ext>
+            </a:extLst>
+          </p:cNvPr>
+          <p:cNvSpPr txBox="1"/>
+          <p:nvPr/>
+        </p:nvSpPr>
+        <p:spPr>
+          <a:xfrm>
+            <a:off x="320511" y="754144"/>
+            <a:ext cx="11340446" cy="4093428"/>
+          </a:xfrm>
+          <a:prstGeom prst="rect">
+            <a:avLst/>
+          </a:prstGeom>
+          <a:noFill/>
+        </p:spPr>
+        <p:txBody>
+          <a:bodyPr wrap="square" rtlCol="0">
+            <a:spAutoFit/>
+          </a:bodyPr>
+          <a:lstStyle/>
+          <a:p>
+            <a:pPr algn="just">
+              <a:buNone/>
+            </a:pPr>
+            <a:r>
+              <a:rPr lang="en-US" sz="2000" dirty="0">
+                <a:latin typeface="Times New Roman" panose="02020603050405020304" pitchFamily="18" charset="0"/>
+                <a:cs typeface="Times New Roman" panose="02020603050405020304" pitchFamily="18" charset="0"/>
+              </a:rPr>
+              <a:t>3. Bluetooth-Enabled ECG Sensors:</a:t>
+            </a:r>
+          </a:p>
+          <a:p>
+            <a:pPr algn="just"/>
+            <a:r>
+              <a:rPr lang="en-US" sz="2000" dirty="0">
+                <a:latin typeface="Times New Roman" panose="02020603050405020304" pitchFamily="18" charset="0"/>
+                <a:cs typeface="Times New Roman" panose="02020603050405020304" pitchFamily="18" charset="0"/>
+              </a:rPr>
+              <a:t>Description: These are small sensors that collect ECG data and wirelessly transmit it to the mobile device for real-time monitoring.</a:t>
+            </a:r>
+          </a:p>
+          <a:p>
+            <a:pPr algn="just"/>
+            <a:r>
+              <a:rPr lang="en-US" sz="2000" dirty="0">
+                <a:latin typeface="Times New Roman" panose="02020603050405020304" pitchFamily="18" charset="0"/>
+                <a:cs typeface="Times New Roman" panose="02020603050405020304" pitchFamily="18" charset="0"/>
+              </a:rPr>
+              <a:t>Examples: </a:t>
+            </a:r>
+          </a:p>
+          <a:p>
+            <a:pPr marL="742950" lvl="1" indent="-285750" algn="just">
+              <a:buFont typeface="Arial" panose="020B0604020202020204" pitchFamily="34" charset="0"/>
+              <a:buChar char="•"/>
+            </a:pPr>
+            <a:r>
+              <a:rPr lang="en-US" sz="2000" dirty="0">
+                <a:latin typeface="Times New Roman" panose="02020603050405020304" pitchFamily="18" charset="0"/>
+                <a:cs typeface="Times New Roman" panose="02020603050405020304" pitchFamily="18" charset="0"/>
+              </a:rPr>
+              <a:t>KardiaMobile: A small, portable ECG sensor that connects via Bluetooth.</a:t>
+            </a:r>
+          </a:p>
+          <a:p>
+            <a:pPr marL="742950" lvl="1" indent="-285750" algn="just">
+              <a:buFont typeface="Arial" panose="020B0604020202020204" pitchFamily="34" charset="0"/>
+              <a:buChar char="•"/>
+            </a:pPr>
+            <a:r>
+              <a:rPr lang="en-US" sz="2000" dirty="0">
+                <a:latin typeface="Times New Roman" panose="02020603050405020304" pitchFamily="18" charset="0"/>
+                <a:cs typeface="Times New Roman" panose="02020603050405020304" pitchFamily="18" charset="0"/>
+              </a:rPr>
+              <a:t>iHealth ECG: Bluetooth-enabled ECG monitor that can send heart signals to a mobile device for real-time analysis.</a:t>
+            </a:r>
+          </a:p>
+          <a:p>
+            <a:pPr algn="just">
+              <a:buNone/>
+            </a:pPr>
+            <a:r>
+              <a:rPr lang="en-US" sz="2000" dirty="0">
+                <a:latin typeface="Times New Roman" panose="02020603050405020304" pitchFamily="18" charset="0"/>
+                <a:cs typeface="Times New Roman" panose="02020603050405020304" pitchFamily="18" charset="0"/>
+              </a:rPr>
+              <a:t>4. Chest Strap Electrodes:</a:t>
+            </a:r>
+          </a:p>
+          <a:p>
+            <a:pPr algn="just"/>
+            <a:r>
+              <a:rPr lang="en-US" sz="2000" dirty="0">
+                <a:latin typeface="Times New Roman" panose="02020603050405020304" pitchFamily="18" charset="0"/>
+                <a:cs typeface="Times New Roman" panose="02020603050405020304" pitchFamily="18" charset="0"/>
+              </a:rPr>
+              <a:t>Description: These are typically used for heart rate monitoring in fitness devices but can also detect ECG signals.</a:t>
+            </a:r>
+          </a:p>
+          <a:p>
+            <a:pPr algn="just"/>
+            <a:r>
+              <a:rPr lang="en-US" sz="2000" dirty="0">
+                <a:latin typeface="Times New Roman" panose="02020603050405020304" pitchFamily="18" charset="0"/>
+                <a:cs typeface="Times New Roman" panose="02020603050405020304" pitchFamily="18" charset="0"/>
+              </a:rPr>
+              <a:t>Examples: </a:t>
+            </a:r>
+          </a:p>
+          <a:p>
+            <a:pPr marL="742950" lvl="1" indent="-285750" algn="just">
+              <a:buFont typeface="Arial" panose="020B0604020202020204" pitchFamily="34" charset="0"/>
+              <a:buChar char="•"/>
+            </a:pPr>
+            <a:r>
+              <a:rPr lang="en-US" sz="2000" dirty="0">
+                <a:latin typeface="Times New Roman" panose="02020603050405020304" pitchFamily="18" charset="0"/>
+                <a:cs typeface="Times New Roman" panose="02020603050405020304" pitchFamily="18" charset="0"/>
+              </a:rPr>
+              <a:t>Polar H10: A heart rate strap that connects via Bluetooth to the phone.</a:t>
+            </a:r>
+          </a:p>
+          <a:p>
+            <a:pPr marL="742950" lvl="1" indent="-285750" algn="just">
+              <a:buFont typeface="Arial" panose="020B0604020202020204" pitchFamily="34" charset="0"/>
+              <a:buChar char="•"/>
+            </a:pPr>
+            <a:r>
+              <a:rPr lang="en-US" sz="2000" dirty="0">
+                <a:latin typeface="Times New Roman" panose="02020603050405020304" pitchFamily="18" charset="0"/>
+                <a:cs typeface="Times New Roman" panose="02020603050405020304" pitchFamily="18" charset="0"/>
+              </a:rPr>
+              <a:t>Wahoo TICKR X: Another chest strap with Bluetooth capabilities for monitoring heart rate.</a:t>
+            </a:r>
+          </a:p>
+        </p:txBody>
+      </p:sp>
+    </p:spTree>
+    <p:extLst>
+      <p:ext uri="{BB962C8B-B14F-4D97-AF65-F5344CB8AC3E}">
+        <p14:creationId xmlns:p14="http://schemas.microsoft.com/office/powerpoint/2010/main" val="4121988091"/>
+      </p:ext>
+    </p:extLst>
+  </p:cSld>
+  <p:clrMapOvr>
+    <a:masterClrMapping/>
+  </p:clrMapOvr>
+</p:sld>
+</file>
+
+<file path=ppt/slides/slide19.xml><?xml version="1.0" encoding="utf-8"?>
+<p:sld xmlns:a="http://schemas.openxmlformats.org/drawingml/2006/main" xmlns:r="http://schemas.openxmlformats.org/officeDocument/2006/relationships" xmlns:p="http://schemas.openxmlformats.org/presentationml/2006/main">
+  <p:cSld>
+    <p:spTree>
+      <p:nvGrpSpPr>
+        <p:cNvPr id="1" name=""/>
+        <p:cNvGrpSpPr/>
+        <p:nvPr/>
+      </p:nvGrpSpPr>
+      <p:grpSpPr>
+        <a:xfrm>
+          <a:off x="0" y="0"/>
+          <a:ext cx="0" cy="0"/>
+          <a:chOff x="0" y="0"/>
+          <a:chExt cx="0" cy="0"/>
+        </a:xfrm>
+      </p:grpSpPr>
+      <p:sp>
+        <p:nvSpPr>
+          <p:cNvPr id="3" name="Slide Number Placeholder 2">
+            <a:extLst>
+              <a:ext uri="{FF2B5EF4-FFF2-40B4-BE49-F238E27FC236}">
+                <a16:creationId xmlns:a16="http://schemas.microsoft.com/office/drawing/2014/main" id="{4F1FEFCF-5A75-F3DA-B8B2-74AD9056C462}"/>
+              </a:ext>
+            </a:extLst>
+          </p:cNvPr>
+          <p:cNvSpPr>
+            <a:spLocks noGrp="1"/>
+          </p:cNvSpPr>
+          <p:nvPr>
+            <p:ph type="sldNum" idx="12"/>
+          </p:nvPr>
+        </p:nvSpPr>
+        <p:spPr/>
+        <p:txBody>
+          <a:bodyPr/>
+          <a:lstStyle/>
+          <a:p>
+            <a:pPr marL="0" lvl="0" indent="0" algn="r" rtl="0">
+              <a:spcBef>
+                <a:spcPts val="0"/>
+              </a:spcBef>
+              <a:spcAft>
+                <a:spcPts val="0"/>
+              </a:spcAft>
+              <a:buNone/>
+            </a:pPr>
+            <a:fld id="{00000000-1234-1234-1234-123412341234}" type="slidenum">
+              <a:rPr lang="en-US" smtClean="0"/>
+              <a:t>19</a:t>
+            </a:fld>
+            <a:endParaRPr lang="en-US" dirty="0"/>
+          </a:p>
+        </p:txBody>
+      </p:sp>
+      <p:sp>
+        <p:nvSpPr>
+          <p:cNvPr id="5" name="TextBox 4">
+            <a:extLst>
+              <a:ext uri="{FF2B5EF4-FFF2-40B4-BE49-F238E27FC236}">
+                <a16:creationId xmlns:a16="http://schemas.microsoft.com/office/drawing/2014/main" id="{5A5CA820-8814-5E87-10BA-B061D7892F83}"/>
+              </a:ext>
+            </a:extLst>
+          </p:cNvPr>
+          <p:cNvSpPr txBox="1"/>
+          <p:nvPr/>
+        </p:nvSpPr>
+        <p:spPr>
+          <a:xfrm>
+            <a:off x="301658" y="810705"/>
+            <a:ext cx="11048214" cy="4154984"/>
+          </a:xfrm>
+          <a:prstGeom prst="rect">
+            <a:avLst/>
+          </a:prstGeom>
+          <a:noFill/>
+        </p:spPr>
+        <p:txBody>
+          <a:bodyPr wrap="square" rtlCol="0">
+            <a:spAutoFit/>
+          </a:bodyPr>
+          <a:lstStyle/>
+          <a:p>
+            <a:pPr algn="just">
+              <a:buNone/>
+            </a:pPr>
+            <a:r>
+              <a:rPr lang="en-US" sz="2400" dirty="0">
+                <a:latin typeface="Times New Roman" panose="02020603050405020304" pitchFamily="18" charset="0"/>
+                <a:cs typeface="Times New Roman" panose="02020603050405020304" pitchFamily="18" charset="0"/>
+              </a:rPr>
+              <a:t>How It Works:</a:t>
+            </a:r>
+          </a:p>
+          <a:p>
+            <a:pPr marL="285750" indent="-285750" algn="just">
+              <a:buFont typeface="Arial" panose="020B0604020202020204" pitchFamily="34" charset="0"/>
+              <a:buChar char="•"/>
+            </a:pPr>
+            <a:r>
+              <a:rPr lang="en-US" sz="2000" dirty="0">
+                <a:latin typeface="Times New Roman" panose="02020603050405020304" pitchFamily="18" charset="0"/>
+                <a:cs typeface="Times New Roman" panose="02020603050405020304" pitchFamily="18" charset="0"/>
+              </a:rPr>
+              <a:t>The electrodes (whether dry, wet, or integrated with the wearable) collect electrical signals generated by your heart.</a:t>
+            </a:r>
+          </a:p>
+          <a:p>
+            <a:pPr marL="285750" indent="-285750" algn="just">
+              <a:buFont typeface="Arial" panose="020B0604020202020204" pitchFamily="34" charset="0"/>
+              <a:buChar char="•"/>
+            </a:pPr>
+            <a:r>
+              <a:rPr lang="en-US" sz="2000" dirty="0">
+                <a:latin typeface="Times New Roman" panose="02020603050405020304" pitchFamily="18" charset="0"/>
+                <a:cs typeface="Times New Roman" panose="02020603050405020304" pitchFamily="18" charset="0"/>
+              </a:rPr>
+              <a:t>These signals are transmitted to the mobile device via Bluetooth or other wireless technologies like (Bluetooth Low Energy(BLE), Wi-Fi, Zigbee, NFC(Near Field Communication), Cellular(4G/5G)).</a:t>
+            </a:r>
+          </a:p>
+          <a:p>
+            <a:pPr marL="285750" indent="-285750" algn="just">
+              <a:buFont typeface="Arial" panose="020B0604020202020204" pitchFamily="34" charset="0"/>
+              <a:buChar char="•"/>
+            </a:pPr>
+            <a:r>
+              <a:rPr lang="en-US" sz="2000" dirty="0">
+                <a:latin typeface="Times New Roman" panose="02020603050405020304" pitchFamily="18" charset="0"/>
+                <a:cs typeface="Times New Roman" panose="02020603050405020304" pitchFamily="18" charset="0"/>
+              </a:rPr>
+              <a:t>The app on the mobile phone processes the ECG signals in real time and provides analysis.</a:t>
+            </a:r>
+          </a:p>
+          <a:p>
+            <a:pPr algn="just"/>
+            <a:endParaRPr lang="en-US" sz="2000" dirty="0">
+              <a:latin typeface="Times New Roman" panose="02020603050405020304" pitchFamily="18" charset="0"/>
+              <a:cs typeface="Times New Roman" panose="02020603050405020304" pitchFamily="18" charset="0"/>
+            </a:endParaRPr>
+          </a:p>
+          <a:p>
+            <a:pPr algn="just"/>
+            <a:r>
+              <a:rPr lang="en-US" sz="2000" dirty="0">
+                <a:latin typeface="Times New Roman" panose="02020603050405020304" pitchFamily="18" charset="0"/>
+                <a:cs typeface="Times New Roman" panose="02020603050405020304" pitchFamily="18" charset="0"/>
+              </a:rPr>
+              <a:t>	By using these external sensors and integrating them with your mobile app, you can monitor the heartbeat and analyze the ECG in real time. If you’re developing a mobile application for this, you would need to support Bluetooth communication with the sensor for data transfer. The website we taken as a reference will be further updated into an application and the electrodes will be taken to monitor the real-time signals.</a:t>
+            </a:r>
+          </a:p>
+          <a:p>
+            <a:pPr algn="just"/>
+            <a:endParaRPr lang="en-IN" sz="2000" dirty="0">
+              <a:latin typeface="Times New Roman" panose="02020603050405020304" pitchFamily="18" charset="0"/>
+              <a:cs typeface="Times New Roman" panose="02020603050405020304" pitchFamily="18" charset="0"/>
+            </a:endParaRPr>
+          </a:p>
+        </p:txBody>
+      </p:sp>
+    </p:spTree>
+    <p:extLst>
+      <p:ext uri="{BB962C8B-B14F-4D97-AF65-F5344CB8AC3E}">
+        <p14:creationId xmlns:p14="http://schemas.microsoft.com/office/powerpoint/2010/main" val="938639786"/>
+      </p:ext>
+    </p:extLst>
+  </p:cSld>
+  <p:clrMapOvr>
+    <a:masterClrMapping/>
+  </p:clrMapOvr>
 </p:sld>
 </file>
 
@@ -28382,6 +27138,1262 @@
 </p:sld>
 </file>
 
+<file path=ppt/slides/slide20.xml><?xml version="1.0" encoding="utf-8"?>
+<p:sld xmlns:a="http://schemas.openxmlformats.org/drawingml/2006/main" xmlns:r="http://schemas.openxmlformats.org/officeDocument/2006/relationships" xmlns:p="http://schemas.openxmlformats.org/presentationml/2006/main">
+  <p:cSld>
+    <p:spTree>
+      <p:nvGrpSpPr>
+        <p:cNvPr id="1" name=""/>
+        <p:cNvGrpSpPr/>
+        <p:nvPr/>
+      </p:nvGrpSpPr>
+      <p:grpSpPr>
+        <a:xfrm>
+          <a:off x="0" y="0"/>
+          <a:ext cx="0" cy="0"/>
+          <a:chOff x="0" y="0"/>
+          <a:chExt cx="0" cy="0"/>
+        </a:xfrm>
+      </p:grpSpPr>
+      <p:sp>
+        <p:nvSpPr>
+          <p:cNvPr id="3" name="Slide Number Placeholder 2">
+            <a:extLst>
+              <a:ext uri="{FF2B5EF4-FFF2-40B4-BE49-F238E27FC236}">
+                <a16:creationId xmlns:a16="http://schemas.microsoft.com/office/drawing/2014/main" id="{ECBE47FD-6288-7C88-99DE-FD9A943E4FFF}"/>
+              </a:ext>
+            </a:extLst>
+          </p:cNvPr>
+          <p:cNvSpPr>
+            <a:spLocks noGrp="1"/>
+          </p:cNvSpPr>
+          <p:nvPr>
+            <p:ph type="sldNum" idx="12"/>
+          </p:nvPr>
+        </p:nvSpPr>
+        <p:spPr/>
+        <p:txBody>
+          <a:bodyPr/>
+          <a:lstStyle/>
+          <a:p>
+            <a:pPr marL="0" lvl="0" indent="0" algn="r" rtl="0">
+              <a:spcBef>
+                <a:spcPts val="0"/>
+              </a:spcBef>
+              <a:spcAft>
+                <a:spcPts val="0"/>
+              </a:spcAft>
+              <a:buNone/>
+            </a:pPr>
+            <a:fld id="{00000000-1234-1234-1234-123412341234}" type="slidenum">
+              <a:rPr lang="en-US" smtClean="0"/>
+              <a:t>20</a:t>
+            </a:fld>
+            <a:endParaRPr lang="en-US" dirty="0"/>
+          </a:p>
+        </p:txBody>
+      </p:sp>
+      <p:sp>
+        <p:nvSpPr>
+          <p:cNvPr id="5" name="Rectangle 1">
+            <a:extLst>
+              <a:ext uri="{FF2B5EF4-FFF2-40B4-BE49-F238E27FC236}">
+                <a16:creationId xmlns:a16="http://schemas.microsoft.com/office/drawing/2014/main" id="{13EF07F3-AA43-8F99-455C-1FD3ECD8454A}"/>
+              </a:ext>
+            </a:extLst>
+          </p:cNvPr>
+          <p:cNvSpPr>
+            <a:spLocks noChangeArrowheads="1"/>
+          </p:cNvSpPr>
+          <p:nvPr/>
+        </p:nvSpPr>
+        <p:spPr bwMode="auto">
+          <a:xfrm>
+            <a:off x="669676" y="788243"/>
+            <a:ext cx="11057835" cy="5632311"/>
+          </a:xfrm>
+          <a:prstGeom prst="rect">
+            <a:avLst/>
+          </a:prstGeom>
+          <a:noFill/>
+          <a:ln>
+            <a:noFill/>
+          </a:ln>
+          <a:effectLst/>
+          <a:extLst>
+            <a:ext uri="{909E8E84-426E-40DD-AFC4-6F175D3DCCD1}">
+              <a14:hiddenFill xmlns:a14="http://schemas.microsoft.com/office/drawing/2010/main">
+                <a:solidFill>
+                  <a:schemeClr val="accent1"/>
+                </a:solidFill>
+              </a14:hiddenFill>
+            </a:ext>
+            <a:ext uri="{91240B29-F687-4F45-9708-019B960494DF}">
+              <a14:hiddenLine xmlns:a14="http://schemas.microsoft.com/office/drawing/2010/main" w="9525">
+                <a:solidFill>
+                  <a:schemeClr val="tx1"/>
+                </a:solidFill>
+                <a:miter lim="800000"/>
+                <a:headEnd/>
+                <a:tailEnd/>
+              </a14:hiddenLine>
+            </a:ext>
+            <a:ext uri="{AF507438-7753-43E0-B8FC-AC1667EBCBE1}">
+              <a14:hiddenEffects xmlns:a14="http://schemas.microsoft.com/office/drawing/2010/main">
+                <a:effectLst>
+                  <a:outerShdw dist="35921" dir="2700000" algn="ctr" rotWithShape="0">
+                    <a:schemeClr val="bg2"/>
+                  </a:outerShdw>
+                </a:effectLst>
+              </a14:hiddenEffects>
+            </a:ext>
+          </a:extLst>
+        </p:spPr>
+        <p:txBody>
+          <a:bodyPr vert="horz" wrap="none" lIns="91440" tIns="45720" rIns="91440" bIns="45720" numCol="1" anchor="t" anchorCtr="0" compatLnSpc="1">
+            <a:prstTxWarp prst="textNoShape">
+              <a:avLst/>
+            </a:prstTxWarp>
+            <a:spAutoFit/>
+          </a:bodyPr>
+          <a:lstStyle/>
+          <a:p>
+            <a:pPr marL="0" marR="0" lvl="0" indent="0" algn="just" defTabSz="914400" rtl="0" eaLnBrk="0" fontAlgn="base" latinLnBrk="0" hangingPunct="0">
+              <a:lnSpc>
+                <a:spcPct val="100000"/>
+              </a:lnSpc>
+              <a:spcBef>
+                <a:spcPct val="0"/>
+              </a:spcBef>
+              <a:spcAft>
+                <a:spcPct val="0"/>
+              </a:spcAft>
+              <a:buClrTx/>
+              <a:buSzTx/>
+              <a:buFontTx/>
+              <a:buNone/>
+              <a:tabLst/>
+            </a:pPr>
+            <a:r>
+              <a:rPr kumimoji="0" lang="en-US" altLang="en-US" sz="2000" b="1" i="0" u="none" strike="noStrike" cap="none" normalizeH="0" baseline="0" dirty="0">
+                <a:ln>
+                  <a:noFill/>
+                </a:ln>
+                <a:solidFill>
+                  <a:schemeClr val="tx1"/>
+                </a:solidFill>
+                <a:effectLst/>
+                <a:latin typeface="Times New Roman" panose="02020603050405020304" pitchFamily="18" charset="0"/>
+                <a:cs typeface="Times New Roman" panose="02020603050405020304" pitchFamily="18" charset="0"/>
+              </a:rPr>
+              <a:t>Integrating Wireless ECG Devices into Mobile Apps</a:t>
+            </a:r>
+          </a:p>
+          <a:p>
+            <a:pPr marL="0" marR="0" lvl="0" indent="0" algn="just" defTabSz="914400" rtl="0" eaLnBrk="0" fontAlgn="base" latinLnBrk="0" hangingPunct="0">
+              <a:lnSpc>
+                <a:spcPct val="100000"/>
+              </a:lnSpc>
+              <a:spcBef>
+                <a:spcPct val="0"/>
+              </a:spcBef>
+              <a:spcAft>
+                <a:spcPct val="0"/>
+              </a:spcAft>
+              <a:buClrTx/>
+              <a:buSzTx/>
+              <a:buFontTx/>
+              <a:buAutoNum type="arabicPeriod"/>
+              <a:tabLst/>
+            </a:pPr>
+            <a:r>
+              <a:rPr kumimoji="0" lang="en-US" altLang="en-US" sz="2000" b="1" i="0" u="none" strike="noStrike" cap="none" normalizeH="0" baseline="0" dirty="0">
+                <a:ln>
+                  <a:noFill/>
+                </a:ln>
+                <a:solidFill>
+                  <a:schemeClr val="tx1"/>
+                </a:solidFill>
+                <a:effectLst/>
+                <a:latin typeface="Times New Roman" panose="02020603050405020304" pitchFamily="18" charset="0"/>
+                <a:cs typeface="Times New Roman" panose="02020603050405020304" pitchFamily="18" charset="0"/>
+              </a:rPr>
+              <a:t>Choose ECG Device &amp; Protocol</a:t>
+            </a:r>
+            <a:endParaRPr kumimoji="0" lang="en-US" altLang="en-US" sz="2000" b="0" i="0" u="none" strike="noStrike" cap="none" normalizeH="0" baseline="0" dirty="0">
+              <a:ln>
+                <a:noFill/>
+              </a:ln>
+              <a:solidFill>
+                <a:schemeClr val="tx1"/>
+              </a:solidFill>
+              <a:effectLst/>
+              <a:latin typeface="Times New Roman" panose="02020603050405020304" pitchFamily="18" charset="0"/>
+              <a:cs typeface="Times New Roman" panose="02020603050405020304" pitchFamily="18" charset="0"/>
+            </a:endParaRPr>
+          </a:p>
+          <a:p>
+            <a:pPr marL="742950" marR="0" lvl="1" indent="-285750" algn="just" defTabSz="914400" rtl="0" eaLnBrk="0" fontAlgn="base" latinLnBrk="0" hangingPunct="0">
+              <a:lnSpc>
+                <a:spcPct val="100000"/>
+              </a:lnSpc>
+              <a:spcBef>
+                <a:spcPct val="0"/>
+              </a:spcBef>
+              <a:spcAft>
+                <a:spcPct val="0"/>
+              </a:spcAft>
+              <a:buClrTx/>
+              <a:buSzTx/>
+              <a:buFont typeface="Arial" panose="020B0604020202020204" pitchFamily="34" charset="0"/>
+              <a:buChar char="•"/>
+              <a:tabLst/>
+            </a:pPr>
+            <a:r>
+              <a:rPr kumimoji="0" lang="en-US" altLang="en-US" sz="2000" b="0" i="0" u="none" strike="noStrike" cap="none" normalizeH="0" baseline="0" dirty="0">
+                <a:ln>
+                  <a:noFill/>
+                </a:ln>
+                <a:solidFill>
+                  <a:schemeClr val="tx1"/>
+                </a:solidFill>
+                <a:effectLst/>
+                <a:latin typeface="Times New Roman" panose="02020603050405020304" pitchFamily="18" charset="0"/>
+                <a:cs typeface="Times New Roman" panose="02020603050405020304" pitchFamily="18" charset="0"/>
+              </a:rPr>
+              <a:t>Select a Bluetooth-enabled ECG device (e.g., KardiaMobile, Polar H10). </a:t>
+            </a:r>
+          </a:p>
+          <a:p>
+            <a:pPr marL="742950" marR="0" lvl="1" indent="-285750" algn="just" defTabSz="914400" rtl="0" eaLnBrk="0" fontAlgn="base" latinLnBrk="0" hangingPunct="0">
+              <a:lnSpc>
+                <a:spcPct val="100000"/>
+              </a:lnSpc>
+              <a:spcBef>
+                <a:spcPct val="0"/>
+              </a:spcBef>
+              <a:spcAft>
+                <a:spcPct val="0"/>
+              </a:spcAft>
+              <a:buClrTx/>
+              <a:buSzTx/>
+              <a:buFont typeface="Arial" panose="020B0604020202020204" pitchFamily="34" charset="0"/>
+              <a:buChar char="•"/>
+              <a:tabLst/>
+            </a:pPr>
+            <a:r>
+              <a:rPr kumimoji="0" lang="en-US" altLang="en-US" sz="2000" b="0" i="0" u="none" strike="noStrike" cap="none" normalizeH="0" baseline="0" dirty="0">
+                <a:ln>
+                  <a:noFill/>
+                </a:ln>
+                <a:solidFill>
+                  <a:schemeClr val="tx1"/>
+                </a:solidFill>
+                <a:effectLst/>
+                <a:latin typeface="Times New Roman" panose="02020603050405020304" pitchFamily="18" charset="0"/>
+                <a:cs typeface="Times New Roman" panose="02020603050405020304" pitchFamily="18" charset="0"/>
+              </a:rPr>
+              <a:t>Ensure the device supports the required wireless communication protocol (Bluetooth, Wi-Fi, etc.). </a:t>
+            </a:r>
+          </a:p>
+          <a:p>
+            <a:pPr marL="742950" marR="0" lvl="1" indent="-285750" algn="just" defTabSz="914400" rtl="0" eaLnBrk="0" fontAlgn="base" latinLnBrk="0" hangingPunct="0">
+              <a:lnSpc>
+                <a:spcPct val="100000"/>
+              </a:lnSpc>
+              <a:spcBef>
+                <a:spcPct val="0"/>
+              </a:spcBef>
+              <a:spcAft>
+                <a:spcPct val="0"/>
+              </a:spcAft>
+              <a:buClrTx/>
+              <a:buSzTx/>
+              <a:buFont typeface="Arial" panose="020B0604020202020204" pitchFamily="34" charset="0"/>
+              <a:buChar char="•"/>
+              <a:tabLst/>
+            </a:pPr>
+            <a:r>
+              <a:rPr kumimoji="0" lang="en-US" altLang="en-US" sz="2000" b="0" i="0" u="none" strike="noStrike" cap="none" normalizeH="0" baseline="0" dirty="0">
+                <a:ln>
+                  <a:noFill/>
+                </a:ln>
+                <a:solidFill>
+                  <a:schemeClr val="tx1"/>
+                </a:solidFill>
+                <a:effectLst/>
+                <a:latin typeface="Times New Roman" panose="02020603050405020304" pitchFamily="18" charset="0"/>
+                <a:cs typeface="Times New Roman" panose="02020603050405020304" pitchFamily="18" charset="0"/>
+              </a:rPr>
+              <a:t>Obtain the device’s SDK or API for integration with your app. </a:t>
+            </a:r>
+          </a:p>
+          <a:p>
+            <a:pPr marL="0" marR="0" lvl="0" indent="0" algn="just" defTabSz="914400" rtl="0" eaLnBrk="0" fontAlgn="base" latinLnBrk="0" hangingPunct="0">
+              <a:lnSpc>
+                <a:spcPct val="100000"/>
+              </a:lnSpc>
+              <a:spcBef>
+                <a:spcPct val="0"/>
+              </a:spcBef>
+              <a:spcAft>
+                <a:spcPct val="0"/>
+              </a:spcAft>
+              <a:buClrTx/>
+              <a:buSzTx/>
+              <a:buFontTx/>
+              <a:buAutoNum type="arabicPeriod" startAt="2"/>
+              <a:tabLst/>
+            </a:pPr>
+            <a:r>
+              <a:rPr kumimoji="0" lang="en-US" altLang="en-US" sz="2000" b="1" i="0" u="none" strike="noStrike" cap="none" normalizeH="0" baseline="0" dirty="0">
+                <a:ln>
+                  <a:noFill/>
+                </a:ln>
+                <a:solidFill>
+                  <a:schemeClr val="tx1"/>
+                </a:solidFill>
+                <a:effectLst/>
+                <a:latin typeface="Times New Roman" panose="02020603050405020304" pitchFamily="18" charset="0"/>
+                <a:cs typeface="Times New Roman" panose="02020603050405020304" pitchFamily="18" charset="0"/>
+              </a:rPr>
+              <a:t>Enable Bluetooth &amp; Permissions</a:t>
+            </a:r>
+            <a:endParaRPr kumimoji="0" lang="en-US" altLang="en-US" sz="2000" b="0" i="0" u="none" strike="noStrike" cap="none" normalizeH="0" baseline="0" dirty="0">
+              <a:ln>
+                <a:noFill/>
+              </a:ln>
+              <a:solidFill>
+                <a:schemeClr val="tx1"/>
+              </a:solidFill>
+              <a:effectLst/>
+              <a:latin typeface="Times New Roman" panose="02020603050405020304" pitchFamily="18" charset="0"/>
+              <a:cs typeface="Times New Roman" panose="02020603050405020304" pitchFamily="18" charset="0"/>
+            </a:endParaRPr>
+          </a:p>
+          <a:p>
+            <a:pPr marL="742950" marR="0" lvl="1" indent="-285750" algn="just" defTabSz="914400" rtl="0" eaLnBrk="0" fontAlgn="base" latinLnBrk="0" hangingPunct="0">
+              <a:lnSpc>
+                <a:spcPct val="100000"/>
+              </a:lnSpc>
+              <a:spcBef>
+                <a:spcPct val="0"/>
+              </a:spcBef>
+              <a:spcAft>
+                <a:spcPct val="0"/>
+              </a:spcAft>
+              <a:buClrTx/>
+              <a:buSzTx/>
+              <a:buFont typeface="Arial" panose="020B0604020202020204" pitchFamily="34" charset="0"/>
+              <a:buChar char="•"/>
+              <a:tabLst/>
+            </a:pPr>
+            <a:r>
+              <a:rPr kumimoji="0" lang="en-US" altLang="en-US" sz="2000" b="0" i="0" u="none" strike="noStrike" cap="none" normalizeH="0" baseline="0" dirty="0">
+                <a:ln>
+                  <a:noFill/>
+                </a:ln>
+                <a:solidFill>
+                  <a:schemeClr val="tx1"/>
+                </a:solidFill>
+                <a:effectLst/>
+                <a:latin typeface="Times New Roman" panose="02020603050405020304" pitchFamily="18" charset="0"/>
+                <a:cs typeface="Times New Roman" panose="02020603050405020304" pitchFamily="18" charset="0"/>
+              </a:rPr>
+              <a:t>Enable Bluetooth and request necessary permissions on Android/iOS. </a:t>
+            </a:r>
+          </a:p>
+          <a:p>
+            <a:pPr marL="742950" marR="0" lvl="1" indent="-285750" algn="just" defTabSz="914400" rtl="0" eaLnBrk="0" fontAlgn="base" latinLnBrk="0" hangingPunct="0">
+              <a:lnSpc>
+                <a:spcPct val="100000"/>
+              </a:lnSpc>
+              <a:spcBef>
+                <a:spcPct val="0"/>
+              </a:spcBef>
+              <a:spcAft>
+                <a:spcPct val="0"/>
+              </a:spcAft>
+              <a:buClrTx/>
+              <a:buSzTx/>
+              <a:buFont typeface="Arial" panose="020B0604020202020204" pitchFamily="34" charset="0"/>
+              <a:buChar char="•"/>
+              <a:tabLst/>
+            </a:pPr>
+            <a:r>
+              <a:rPr kumimoji="0" lang="en-US" altLang="en-US" sz="2000" b="0" i="0" u="none" strike="noStrike" cap="none" normalizeH="0" baseline="0" dirty="0">
+                <a:ln>
+                  <a:noFill/>
+                </a:ln>
+                <a:solidFill>
+                  <a:schemeClr val="tx1"/>
+                </a:solidFill>
+                <a:effectLst/>
+                <a:latin typeface="Times New Roman" panose="02020603050405020304" pitchFamily="18" charset="0"/>
+                <a:cs typeface="Times New Roman" panose="02020603050405020304" pitchFamily="18" charset="0"/>
+              </a:rPr>
+              <a:t>Add required Bluetooth permissions.</a:t>
+            </a:r>
+          </a:p>
+          <a:p>
+            <a:pPr marL="742950" marR="0" lvl="1" indent="-285750" algn="just" defTabSz="914400" rtl="0" eaLnBrk="0" fontAlgn="base" latinLnBrk="0" hangingPunct="0">
+              <a:lnSpc>
+                <a:spcPct val="100000"/>
+              </a:lnSpc>
+              <a:spcBef>
+                <a:spcPct val="0"/>
+              </a:spcBef>
+              <a:spcAft>
+                <a:spcPct val="0"/>
+              </a:spcAft>
+              <a:buClrTx/>
+              <a:buSzTx/>
+              <a:buFont typeface="Arial" panose="020B0604020202020204" pitchFamily="34" charset="0"/>
+              <a:buChar char="•"/>
+              <a:tabLst/>
+            </a:pPr>
+            <a:r>
+              <a:rPr kumimoji="0" lang="en-US" altLang="en-US" sz="2000" b="0" i="0" u="none" strike="noStrike" cap="none" normalizeH="0" baseline="0" dirty="0">
+                <a:ln>
+                  <a:noFill/>
+                </a:ln>
+                <a:solidFill>
+                  <a:schemeClr val="tx1"/>
+                </a:solidFill>
+                <a:effectLst/>
+                <a:latin typeface="Times New Roman" panose="02020603050405020304" pitchFamily="18" charset="0"/>
+                <a:cs typeface="Times New Roman" panose="02020603050405020304" pitchFamily="18" charset="0"/>
+              </a:rPr>
+              <a:t>Handle user permission denial with appropriate fallbacks and notifications. </a:t>
+            </a:r>
+          </a:p>
+          <a:p>
+            <a:pPr marL="0" marR="0" lvl="0" indent="0" algn="just" defTabSz="914400" rtl="0" eaLnBrk="0" fontAlgn="base" latinLnBrk="0" hangingPunct="0">
+              <a:lnSpc>
+                <a:spcPct val="100000"/>
+              </a:lnSpc>
+              <a:spcBef>
+                <a:spcPct val="0"/>
+              </a:spcBef>
+              <a:spcAft>
+                <a:spcPct val="0"/>
+              </a:spcAft>
+              <a:buClrTx/>
+              <a:buSzTx/>
+              <a:buFontTx/>
+              <a:buAutoNum type="arabicPeriod" startAt="3"/>
+              <a:tabLst/>
+            </a:pPr>
+            <a:r>
+              <a:rPr kumimoji="0" lang="en-US" altLang="en-US" sz="2000" b="1" i="0" u="none" strike="noStrike" cap="none" normalizeH="0" baseline="0" dirty="0">
+                <a:ln>
+                  <a:noFill/>
+                </a:ln>
+                <a:solidFill>
+                  <a:schemeClr val="tx1"/>
+                </a:solidFill>
+                <a:effectLst/>
+                <a:latin typeface="Times New Roman" panose="02020603050405020304" pitchFamily="18" charset="0"/>
+                <a:cs typeface="Times New Roman" panose="02020603050405020304" pitchFamily="18" charset="0"/>
+              </a:rPr>
+              <a:t>Scan &amp; Connect</a:t>
+            </a:r>
+            <a:endParaRPr kumimoji="0" lang="en-US" altLang="en-US" sz="2000" b="0" i="0" u="none" strike="noStrike" cap="none" normalizeH="0" baseline="0" dirty="0">
+              <a:ln>
+                <a:noFill/>
+              </a:ln>
+              <a:solidFill>
+                <a:schemeClr val="tx1"/>
+              </a:solidFill>
+              <a:effectLst/>
+              <a:latin typeface="Times New Roman" panose="02020603050405020304" pitchFamily="18" charset="0"/>
+              <a:cs typeface="Times New Roman" panose="02020603050405020304" pitchFamily="18" charset="0"/>
+            </a:endParaRPr>
+          </a:p>
+          <a:p>
+            <a:pPr marL="742950" marR="0" lvl="1" indent="-285750" algn="just" defTabSz="914400" rtl="0" eaLnBrk="0" fontAlgn="base" latinLnBrk="0" hangingPunct="0">
+              <a:lnSpc>
+                <a:spcPct val="100000"/>
+              </a:lnSpc>
+              <a:spcBef>
+                <a:spcPct val="0"/>
+              </a:spcBef>
+              <a:spcAft>
+                <a:spcPct val="0"/>
+              </a:spcAft>
+              <a:buClrTx/>
+              <a:buSzTx/>
+              <a:buFont typeface="Arial" panose="020B0604020202020204" pitchFamily="34" charset="0"/>
+              <a:buChar char="•"/>
+              <a:tabLst/>
+            </a:pPr>
+            <a:r>
+              <a:rPr kumimoji="0" lang="en-US" altLang="en-US" sz="2000" b="0" i="0" u="none" strike="noStrike" cap="none" normalizeH="0" baseline="0" dirty="0">
+                <a:ln>
+                  <a:noFill/>
+                </a:ln>
+                <a:solidFill>
+                  <a:schemeClr val="tx1"/>
+                </a:solidFill>
+                <a:effectLst/>
+                <a:latin typeface="Times New Roman" panose="02020603050405020304" pitchFamily="18" charset="0"/>
+                <a:cs typeface="Times New Roman" panose="02020603050405020304" pitchFamily="18" charset="0"/>
+              </a:rPr>
+              <a:t>Scan for available ECG devices and list them for selection. </a:t>
+            </a:r>
+          </a:p>
+          <a:p>
+            <a:pPr marL="742950" marR="0" lvl="1" indent="-285750" algn="just" defTabSz="914400" rtl="0" eaLnBrk="0" fontAlgn="base" latinLnBrk="0" hangingPunct="0">
+              <a:lnSpc>
+                <a:spcPct val="100000"/>
+              </a:lnSpc>
+              <a:spcBef>
+                <a:spcPct val="0"/>
+              </a:spcBef>
+              <a:spcAft>
+                <a:spcPct val="0"/>
+              </a:spcAft>
+              <a:buClrTx/>
+              <a:buSzTx/>
+              <a:buFont typeface="Arial" panose="020B0604020202020204" pitchFamily="34" charset="0"/>
+              <a:buChar char="•"/>
+              <a:tabLst/>
+            </a:pPr>
+            <a:r>
+              <a:rPr kumimoji="0" lang="en-US" altLang="en-US" sz="2000" b="0" i="0" u="none" strike="noStrike" cap="none" normalizeH="0" baseline="0" dirty="0">
+                <a:ln>
+                  <a:noFill/>
+                </a:ln>
+                <a:solidFill>
+                  <a:schemeClr val="tx1"/>
+                </a:solidFill>
+                <a:effectLst/>
+                <a:latin typeface="Times New Roman" panose="02020603050405020304" pitchFamily="18" charset="0"/>
+                <a:cs typeface="Times New Roman" panose="02020603050405020304" pitchFamily="18" charset="0"/>
+              </a:rPr>
+              <a:t>Establish a secure connection using device MAC address. </a:t>
+            </a:r>
+          </a:p>
+          <a:p>
+            <a:pPr marL="742950" marR="0" lvl="1" indent="-285750" algn="just" defTabSz="914400" rtl="0" eaLnBrk="0" fontAlgn="base" latinLnBrk="0" hangingPunct="0">
+              <a:lnSpc>
+                <a:spcPct val="100000"/>
+              </a:lnSpc>
+              <a:spcBef>
+                <a:spcPct val="0"/>
+              </a:spcBef>
+              <a:spcAft>
+                <a:spcPct val="0"/>
+              </a:spcAft>
+              <a:buClrTx/>
+              <a:buSzTx/>
+              <a:buFont typeface="Arial" panose="020B0604020202020204" pitchFamily="34" charset="0"/>
+              <a:buChar char="•"/>
+              <a:tabLst/>
+            </a:pPr>
+            <a:r>
+              <a:rPr kumimoji="0" lang="en-US" altLang="en-US" sz="2000" b="0" i="0" u="none" strike="noStrike" cap="none" normalizeH="0" baseline="0" dirty="0">
+                <a:ln>
+                  <a:noFill/>
+                </a:ln>
+                <a:solidFill>
+                  <a:schemeClr val="tx1"/>
+                </a:solidFill>
+                <a:effectLst/>
+                <a:latin typeface="Times New Roman" panose="02020603050405020304" pitchFamily="18" charset="0"/>
+                <a:cs typeface="Times New Roman" panose="02020603050405020304" pitchFamily="18" charset="0"/>
+              </a:rPr>
+              <a:t>Ensure stable pairing and handle connection errors (e.g., retrying, timeouts). </a:t>
+            </a:r>
+          </a:p>
+          <a:p>
+            <a:pPr marL="0" marR="0" lvl="0" indent="0" algn="just" defTabSz="914400" rtl="0" eaLnBrk="0" fontAlgn="base" latinLnBrk="0" hangingPunct="0">
+              <a:lnSpc>
+                <a:spcPct val="100000"/>
+              </a:lnSpc>
+              <a:spcBef>
+                <a:spcPct val="0"/>
+              </a:spcBef>
+              <a:spcAft>
+                <a:spcPct val="0"/>
+              </a:spcAft>
+              <a:buClrTx/>
+              <a:buSzTx/>
+              <a:buFontTx/>
+              <a:buAutoNum type="arabicPeriod" startAt="4"/>
+              <a:tabLst/>
+            </a:pPr>
+            <a:r>
+              <a:rPr kumimoji="0" lang="en-US" altLang="en-US" sz="2000" b="1" i="0" u="none" strike="noStrike" cap="none" normalizeH="0" baseline="0" dirty="0">
+                <a:ln>
+                  <a:noFill/>
+                </a:ln>
+                <a:solidFill>
+                  <a:schemeClr val="tx1"/>
+                </a:solidFill>
+                <a:effectLst/>
+                <a:latin typeface="Times New Roman" panose="02020603050405020304" pitchFamily="18" charset="0"/>
+                <a:cs typeface="Times New Roman" panose="02020603050405020304" pitchFamily="18" charset="0"/>
+              </a:rPr>
+              <a:t>Receive &amp; Process Data</a:t>
+            </a:r>
+            <a:endParaRPr kumimoji="0" lang="en-US" altLang="en-US" sz="2000" b="0" i="0" u="none" strike="noStrike" cap="none" normalizeH="0" baseline="0" dirty="0">
+              <a:ln>
+                <a:noFill/>
+              </a:ln>
+              <a:solidFill>
+                <a:schemeClr val="tx1"/>
+              </a:solidFill>
+              <a:effectLst/>
+              <a:latin typeface="Times New Roman" panose="02020603050405020304" pitchFamily="18" charset="0"/>
+              <a:cs typeface="Times New Roman" panose="02020603050405020304" pitchFamily="18" charset="0"/>
+            </a:endParaRPr>
+          </a:p>
+          <a:p>
+            <a:pPr marL="742950" marR="0" lvl="1" indent="-285750" algn="just" defTabSz="914400" rtl="0" eaLnBrk="0" fontAlgn="base" latinLnBrk="0" hangingPunct="0">
+              <a:lnSpc>
+                <a:spcPct val="100000"/>
+              </a:lnSpc>
+              <a:spcBef>
+                <a:spcPct val="0"/>
+              </a:spcBef>
+              <a:spcAft>
+                <a:spcPct val="0"/>
+              </a:spcAft>
+              <a:buClrTx/>
+              <a:buSzTx/>
+              <a:buFont typeface="Arial" panose="020B0604020202020204" pitchFamily="34" charset="0"/>
+              <a:buChar char="•"/>
+              <a:tabLst/>
+            </a:pPr>
+            <a:r>
+              <a:rPr kumimoji="0" lang="en-US" altLang="en-US" sz="2000" b="0" i="0" u="none" strike="noStrike" cap="none" normalizeH="0" baseline="0" dirty="0">
+                <a:ln>
+                  <a:noFill/>
+                </a:ln>
+                <a:solidFill>
+                  <a:schemeClr val="tx1"/>
+                </a:solidFill>
+                <a:effectLst/>
+                <a:latin typeface="Times New Roman" panose="02020603050405020304" pitchFamily="18" charset="0"/>
+                <a:cs typeface="Times New Roman" panose="02020603050405020304" pitchFamily="18" charset="0"/>
+              </a:rPr>
+              <a:t>Collect ECG data in real-time and update the UI dynamically. </a:t>
+            </a:r>
+          </a:p>
+          <a:p>
+            <a:pPr marL="742950" marR="0" lvl="1" indent="-285750" algn="just" defTabSz="914400" rtl="0" eaLnBrk="0" fontAlgn="base" latinLnBrk="0" hangingPunct="0">
+              <a:lnSpc>
+                <a:spcPct val="100000"/>
+              </a:lnSpc>
+              <a:spcBef>
+                <a:spcPct val="0"/>
+              </a:spcBef>
+              <a:spcAft>
+                <a:spcPct val="0"/>
+              </a:spcAft>
+              <a:buClrTx/>
+              <a:buSzTx/>
+              <a:buFont typeface="Arial" panose="020B0604020202020204" pitchFamily="34" charset="0"/>
+              <a:buChar char="•"/>
+              <a:tabLst/>
+            </a:pPr>
+            <a:r>
+              <a:rPr kumimoji="0" lang="en-US" altLang="en-US" sz="2000" b="0" i="0" u="none" strike="noStrike" cap="none" normalizeH="0" baseline="0" dirty="0">
+                <a:ln>
+                  <a:noFill/>
+                </a:ln>
+                <a:solidFill>
+                  <a:schemeClr val="tx1"/>
+                </a:solidFill>
+                <a:effectLst/>
+                <a:latin typeface="Times New Roman" panose="02020603050405020304" pitchFamily="18" charset="0"/>
+                <a:cs typeface="Times New Roman" panose="02020603050405020304" pitchFamily="18" charset="0"/>
+              </a:rPr>
+              <a:t>Process raw ECG signals for heart rate calculation or arrhythmia detection. </a:t>
+            </a:r>
+          </a:p>
+          <a:p>
+            <a:pPr marL="742950" marR="0" lvl="1" indent="-285750" algn="just" defTabSz="914400" rtl="0" eaLnBrk="0" fontAlgn="base" latinLnBrk="0" hangingPunct="0">
+              <a:lnSpc>
+                <a:spcPct val="100000"/>
+              </a:lnSpc>
+              <a:spcBef>
+                <a:spcPct val="0"/>
+              </a:spcBef>
+              <a:spcAft>
+                <a:spcPct val="0"/>
+              </a:spcAft>
+              <a:buClrTx/>
+              <a:buSzTx/>
+              <a:buFont typeface="Arial" panose="020B0604020202020204" pitchFamily="34" charset="0"/>
+              <a:buChar char="•"/>
+              <a:tabLst/>
+            </a:pPr>
+            <a:r>
+              <a:rPr kumimoji="0" lang="en-US" altLang="en-US" sz="2000" b="0" i="0" u="none" strike="noStrike" cap="none" normalizeH="0" baseline="0" dirty="0">
+                <a:ln>
+                  <a:noFill/>
+                </a:ln>
+                <a:solidFill>
+                  <a:schemeClr val="tx1"/>
+                </a:solidFill>
+                <a:effectLst/>
+                <a:latin typeface="Times New Roman" panose="02020603050405020304" pitchFamily="18" charset="0"/>
+                <a:cs typeface="Times New Roman" panose="02020603050405020304" pitchFamily="18" charset="0"/>
+              </a:rPr>
+              <a:t>Log and store the ECG data locally or upload to a cloud server for further analysis.</a:t>
+            </a:r>
+          </a:p>
+          <a:p>
+            <a:pPr marL="0" marR="0" lvl="0" indent="0" algn="just" defTabSz="914400" rtl="0" eaLnBrk="0" fontAlgn="base" latinLnBrk="0" hangingPunct="0">
+              <a:lnSpc>
+                <a:spcPct val="100000"/>
+              </a:lnSpc>
+              <a:spcBef>
+                <a:spcPct val="0"/>
+              </a:spcBef>
+              <a:spcAft>
+                <a:spcPct val="0"/>
+              </a:spcAft>
+              <a:buClrTx/>
+              <a:buSzTx/>
+              <a:buFontTx/>
+              <a:buNone/>
+              <a:tabLst/>
+            </a:pPr>
+            <a:endParaRPr kumimoji="0" lang="en-US" altLang="en-US" sz="2000" b="0" i="0" u="none" strike="noStrike" cap="none" normalizeH="0" baseline="0" dirty="0">
+              <a:ln>
+                <a:noFill/>
+              </a:ln>
+              <a:solidFill>
+                <a:schemeClr val="tx1"/>
+              </a:solidFill>
+              <a:effectLst/>
+              <a:latin typeface="Times New Roman" panose="02020603050405020304" pitchFamily="18" charset="0"/>
+              <a:cs typeface="Times New Roman" panose="02020603050405020304" pitchFamily="18" charset="0"/>
+            </a:endParaRPr>
+          </a:p>
+        </p:txBody>
+      </p:sp>
+    </p:spTree>
+    <p:extLst>
+      <p:ext uri="{BB962C8B-B14F-4D97-AF65-F5344CB8AC3E}">
+        <p14:creationId xmlns:p14="http://schemas.microsoft.com/office/powerpoint/2010/main" val="3209699551"/>
+      </p:ext>
+    </p:extLst>
+  </p:cSld>
+  <p:clrMapOvr>
+    <a:masterClrMapping/>
+  </p:clrMapOvr>
+</p:sld>
+</file>
+
+<file path=ppt/slides/slide21.xml><?xml version="1.0" encoding="utf-8"?>
+<p:sld xmlns:a="http://schemas.openxmlformats.org/drawingml/2006/main" xmlns:r="http://schemas.openxmlformats.org/officeDocument/2006/relationships" xmlns:p="http://schemas.openxmlformats.org/presentationml/2006/main">
+  <p:cSld>
+    <p:spTree>
+      <p:nvGrpSpPr>
+        <p:cNvPr id="1" name="Shape 229"/>
+        <p:cNvGrpSpPr/>
+        <p:nvPr/>
+      </p:nvGrpSpPr>
+      <p:grpSpPr>
+        <a:xfrm>
+          <a:off x="0" y="0"/>
+          <a:ext cx="0" cy="0"/>
+          <a:chOff x="0" y="0"/>
+          <a:chExt cx="0" cy="0"/>
+        </a:xfrm>
+      </p:grpSpPr>
+      <p:sp>
+        <p:nvSpPr>
+          <p:cNvPr id="230" name="Google Shape;230;p35"/>
+          <p:cNvSpPr txBox="1"/>
+          <p:nvPr/>
+        </p:nvSpPr>
+        <p:spPr>
+          <a:xfrm>
+            <a:off x="4072466" y="3303027"/>
+            <a:ext cx="4072467" cy="769441"/>
+          </a:xfrm>
+          <a:prstGeom prst="rect">
+            <a:avLst/>
+          </a:prstGeom>
+          <a:noFill/>
+          <a:ln>
+            <a:noFill/>
+          </a:ln>
+        </p:spPr>
+        <p:txBody>
+          <a:bodyPr spcFirstLastPara="1" wrap="square" lIns="91425" tIns="45700" rIns="91425" bIns="45700" anchor="t" anchorCtr="0">
+            <a:spAutoFit/>
+          </a:bodyPr>
+          <a:lstStyle/>
+          <a:p>
+            <a:pPr marL="0" marR="0" lvl="0" indent="0" algn="ctr" rtl="0">
+              <a:lnSpc>
+                <a:spcPct val="100000"/>
+              </a:lnSpc>
+              <a:spcBef>
+                <a:spcPts val="0"/>
+              </a:spcBef>
+              <a:spcAft>
+                <a:spcPts val="0"/>
+              </a:spcAft>
+              <a:buClr>
+                <a:srgbClr val="000000"/>
+              </a:buClr>
+              <a:buSzPts val="4400"/>
+              <a:buFont typeface="Arial"/>
+              <a:buNone/>
+            </a:pPr>
+            <a:r>
+              <a:rPr lang="en-US" sz="4400" b="0" i="0" u="none" strike="noStrike" cap="none">
+                <a:solidFill>
+                  <a:srgbClr val="DF2A36"/>
+                </a:solidFill>
+                <a:latin typeface="Arial"/>
+                <a:ea typeface="Arial"/>
+                <a:cs typeface="Arial"/>
+                <a:sym typeface="Arial"/>
+              </a:rPr>
+              <a:t>THANK YOU</a:t>
+            </a:r>
+            <a:endParaRPr sz="4400" b="0" i="0" u="none" strike="noStrike" cap="none">
+              <a:solidFill>
+                <a:srgbClr val="DF2A36"/>
+              </a:solidFill>
+              <a:latin typeface="Arial"/>
+              <a:ea typeface="Arial"/>
+              <a:cs typeface="Arial"/>
+              <a:sym typeface="Arial"/>
+            </a:endParaRPr>
+          </a:p>
+        </p:txBody>
+      </p:sp>
+      <p:pic>
+        <p:nvPicPr>
+          <p:cNvPr id="231" name="Google Shape;231;p35"/>
+          <p:cNvPicPr preferRelativeResize="0"/>
+          <p:nvPr/>
+        </p:nvPicPr>
+        <p:blipFill rotWithShape="1">
+          <a:blip r:embed="rId3">
+            <a:alphaModFix/>
+          </a:blip>
+          <a:srcRect l="22326" t="32664" r="11837" b="35102"/>
+          <a:stretch/>
+        </p:blipFill>
+        <p:spPr>
+          <a:xfrm>
+            <a:off x="262467" y="258234"/>
+            <a:ext cx="1504951" cy="423333"/>
+          </a:xfrm>
+          <a:prstGeom prst="rect">
+            <a:avLst/>
+          </a:prstGeom>
+          <a:noFill/>
+          <a:ln>
+            <a:noFill/>
+          </a:ln>
+        </p:spPr>
+      </p:pic>
+      <p:grpSp>
+        <p:nvGrpSpPr>
+          <p:cNvPr id="232" name="Google Shape;232;p35"/>
+          <p:cNvGrpSpPr/>
+          <p:nvPr/>
+        </p:nvGrpSpPr>
+        <p:grpSpPr>
+          <a:xfrm>
+            <a:off x="11856720" y="1182857"/>
+            <a:ext cx="223520" cy="990718"/>
+            <a:chOff x="11856720" y="140636"/>
+            <a:chExt cx="223520" cy="990718"/>
+          </a:xfrm>
+        </p:grpSpPr>
+        <p:grpSp>
+          <p:nvGrpSpPr>
+            <p:cNvPr id="233" name="Google Shape;233;p35"/>
+            <p:cNvGrpSpPr/>
+            <p:nvPr/>
+          </p:nvGrpSpPr>
+          <p:grpSpPr>
+            <a:xfrm>
+              <a:off x="11856720" y="660278"/>
+              <a:ext cx="223520" cy="471076"/>
+              <a:chOff x="9734551" y="3138055"/>
+              <a:chExt cx="2457449" cy="1328450"/>
+            </a:xfrm>
+          </p:grpSpPr>
+          <p:sp>
+            <p:nvSpPr>
+              <p:cNvPr id="234" name="Google Shape;234;p35"/>
+              <p:cNvSpPr/>
+              <p:nvPr/>
+            </p:nvSpPr>
+            <p:spPr>
+              <a:xfrm>
+                <a:off x="9759949" y="3870759"/>
+                <a:ext cx="2432051" cy="595746"/>
+              </a:xfrm>
+              <a:prstGeom prst="rect">
+                <a:avLst/>
+              </a:prstGeom>
+              <a:solidFill>
+                <a:srgbClr val="E12730"/>
+              </a:solidFill>
+              <a:ln>
+                <a:noFill/>
+              </a:ln>
+            </p:spPr>
+            <p:txBody>
+              <a:bodyPr spcFirstLastPara="1" wrap="square" lIns="91425" tIns="45700" rIns="91425" bIns="45700" anchor="ctr" anchorCtr="0">
+                <a:noAutofit/>
+              </a:bodyPr>
+              <a:lstStyle/>
+              <a:p>
+                <a:pPr marL="0" marR="0" lvl="0" indent="0" algn="ctr" rtl="0">
+                  <a:lnSpc>
+                    <a:spcPct val="100000"/>
+                  </a:lnSpc>
+                  <a:spcBef>
+                    <a:spcPts val="0"/>
+                  </a:spcBef>
+                  <a:spcAft>
+                    <a:spcPts val="0"/>
+                  </a:spcAft>
+                  <a:buClr>
+                    <a:srgbClr val="000000"/>
+                  </a:buClr>
+                  <a:buSzPts val="1351"/>
+                  <a:buFont typeface="Arial"/>
+                  <a:buNone/>
+                </a:pPr>
+                <a:endParaRPr sz="1351" b="0" i="0" u="none" strike="noStrike" cap="none">
+                  <a:solidFill>
+                    <a:schemeClr val="lt1"/>
+                  </a:solidFill>
+                  <a:latin typeface="Calibri"/>
+                  <a:ea typeface="Calibri"/>
+                  <a:cs typeface="Calibri"/>
+                  <a:sym typeface="Calibri"/>
+                </a:endParaRPr>
+              </a:p>
+            </p:txBody>
+          </p:sp>
+          <p:sp>
+            <p:nvSpPr>
+              <p:cNvPr id="235" name="Google Shape;235;p35"/>
+              <p:cNvSpPr/>
+              <p:nvPr/>
+            </p:nvSpPr>
+            <p:spPr>
+              <a:xfrm>
+                <a:off x="9734551" y="3138055"/>
+                <a:ext cx="2457449" cy="595746"/>
+              </a:xfrm>
+              <a:prstGeom prst="rect">
+                <a:avLst/>
+              </a:prstGeom>
+              <a:solidFill>
+                <a:srgbClr val="51C6E7"/>
+              </a:solidFill>
+              <a:ln>
+                <a:noFill/>
+              </a:ln>
+            </p:spPr>
+            <p:txBody>
+              <a:bodyPr spcFirstLastPara="1" wrap="square" lIns="91425" tIns="45700" rIns="91425" bIns="45700" anchor="ctr" anchorCtr="0">
+                <a:noAutofit/>
+              </a:bodyPr>
+              <a:lstStyle/>
+              <a:p>
+                <a:pPr marL="0" marR="0" lvl="0" indent="0" algn="ctr" rtl="0">
+                  <a:lnSpc>
+                    <a:spcPct val="100000"/>
+                  </a:lnSpc>
+                  <a:spcBef>
+                    <a:spcPts val="0"/>
+                  </a:spcBef>
+                  <a:spcAft>
+                    <a:spcPts val="0"/>
+                  </a:spcAft>
+                  <a:buClr>
+                    <a:srgbClr val="000000"/>
+                  </a:buClr>
+                  <a:buSzPts val="1351"/>
+                  <a:buFont typeface="Arial"/>
+                  <a:buNone/>
+                </a:pPr>
+                <a:endParaRPr sz="1351" b="0" i="0" u="none" strike="noStrike" cap="none">
+                  <a:solidFill>
+                    <a:schemeClr val="lt1"/>
+                  </a:solidFill>
+                  <a:latin typeface="Calibri"/>
+                  <a:ea typeface="Calibri"/>
+                  <a:cs typeface="Calibri"/>
+                  <a:sym typeface="Calibri"/>
+                </a:endParaRPr>
+              </a:p>
+            </p:txBody>
+          </p:sp>
+        </p:grpSp>
+        <p:grpSp>
+          <p:nvGrpSpPr>
+            <p:cNvPr id="236" name="Google Shape;236;p35"/>
+            <p:cNvGrpSpPr/>
+            <p:nvPr/>
+          </p:nvGrpSpPr>
+          <p:grpSpPr>
+            <a:xfrm>
+              <a:off x="11856720" y="140636"/>
+              <a:ext cx="223520" cy="471076"/>
+              <a:chOff x="9734551" y="3138055"/>
+              <a:chExt cx="2457449" cy="1328450"/>
+            </a:xfrm>
+          </p:grpSpPr>
+          <p:sp>
+            <p:nvSpPr>
+              <p:cNvPr id="237" name="Google Shape;237;p35"/>
+              <p:cNvSpPr/>
+              <p:nvPr/>
+            </p:nvSpPr>
+            <p:spPr>
+              <a:xfrm>
+                <a:off x="9759949" y="3870759"/>
+                <a:ext cx="2432051" cy="595746"/>
+              </a:xfrm>
+              <a:prstGeom prst="rect">
+                <a:avLst/>
+              </a:prstGeom>
+              <a:solidFill>
+                <a:srgbClr val="F7A54B"/>
+              </a:solidFill>
+              <a:ln>
+                <a:noFill/>
+              </a:ln>
+            </p:spPr>
+            <p:txBody>
+              <a:bodyPr spcFirstLastPara="1" wrap="square" lIns="91425" tIns="45700" rIns="91425" bIns="45700" anchor="ctr" anchorCtr="0">
+                <a:noAutofit/>
+              </a:bodyPr>
+              <a:lstStyle/>
+              <a:p>
+                <a:pPr marL="0" marR="0" lvl="0" indent="0" algn="ctr" rtl="0">
+                  <a:lnSpc>
+                    <a:spcPct val="100000"/>
+                  </a:lnSpc>
+                  <a:spcBef>
+                    <a:spcPts val="0"/>
+                  </a:spcBef>
+                  <a:spcAft>
+                    <a:spcPts val="0"/>
+                  </a:spcAft>
+                  <a:buClr>
+                    <a:srgbClr val="000000"/>
+                  </a:buClr>
+                  <a:buSzPts val="1351"/>
+                  <a:buFont typeface="Arial"/>
+                  <a:buNone/>
+                </a:pPr>
+                <a:endParaRPr sz="1351" b="0" i="0" u="none" strike="noStrike" cap="none">
+                  <a:solidFill>
+                    <a:schemeClr val="lt1"/>
+                  </a:solidFill>
+                  <a:latin typeface="Calibri"/>
+                  <a:ea typeface="Calibri"/>
+                  <a:cs typeface="Calibri"/>
+                  <a:sym typeface="Calibri"/>
+                </a:endParaRPr>
+              </a:p>
+            </p:txBody>
+          </p:sp>
+          <p:sp>
+            <p:nvSpPr>
+              <p:cNvPr id="238" name="Google Shape;238;p35"/>
+              <p:cNvSpPr/>
+              <p:nvPr/>
+            </p:nvSpPr>
+            <p:spPr>
+              <a:xfrm>
+                <a:off x="9734551" y="3138055"/>
+                <a:ext cx="2457449" cy="595746"/>
+              </a:xfrm>
+              <a:prstGeom prst="rect">
+                <a:avLst/>
+              </a:prstGeom>
+              <a:solidFill>
+                <a:srgbClr val="3A3A70"/>
+              </a:solidFill>
+              <a:ln>
+                <a:noFill/>
+              </a:ln>
+            </p:spPr>
+            <p:txBody>
+              <a:bodyPr spcFirstLastPara="1" wrap="square" lIns="91425" tIns="45700" rIns="91425" bIns="45700" anchor="ctr" anchorCtr="0">
+                <a:noAutofit/>
+              </a:bodyPr>
+              <a:lstStyle/>
+              <a:p>
+                <a:pPr marL="0" marR="0" lvl="0" indent="0" algn="ctr" rtl="0">
+                  <a:lnSpc>
+                    <a:spcPct val="100000"/>
+                  </a:lnSpc>
+                  <a:spcBef>
+                    <a:spcPts val="0"/>
+                  </a:spcBef>
+                  <a:spcAft>
+                    <a:spcPts val="0"/>
+                  </a:spcAft>
+                  <a:buClr>
+                    <a:srgbClr val="000000"/>
+                  </a:buClr>
+                  <a:buSzPts val="1351"/>
+                  <a:buFont typeface="Arial"/>
+                  <a:buNone/>
+                </a:pPr>
+                <a:endParaRPr sz="1351" b="0" i="0" u="none" strike="noStrike" cap="none">
+                  <a:solidFill>
+                    <a:schemeClr val="lt1"/>
+                  </a:solidFill>
+                  <a:latin typeface="Calibri"/>
+                  <a:ea typeface="Calibri"/>
+                  <a:cs typeface="Calibri"/>
+                  <a:sym typeface="Calibri"/>
+                </a:endParaRPr>
+              </a:p>
+            </p:txBody>
+          </p:sp>
+        </p:grpSp>
+      </p:grpSp>
+      <p:pic>
+        <p:nvPicPr>
+          <p:cNvPr id="239" name="Google Shape;239;p35"/>
+          <p:cNvPicPr preferRelativeResize="0"/>
+          <p:nvPr/>
+        </p:nvPicPr>
+        <p:blipFill rotWithShape="1">
+          <a:blip r:embed="rId4">
+            <a:alphaModFix/>
+          </a:blip>
+          <a:srcRect/>
+          <a:stretch/>
+        </p:blipFill>
+        <p:spPr>
+          <a:xfrm>
+            <a:off x="7787216" y="2586568"/>
+            <a:ext cx="4931834" cy="4931834"/>
+          </a:xfrm>
+          <a:prstGeom prst="rect">
+            <a:avLst/>
+          </a:prstGeom>
+          <a:noFill/>
+          <a:ln>
+            <a:noFill/>
+          </a:ln>
+        </p:spPr>
+      </p:pic>
+    </p:spTree>
+    <p:extLst>
+      <p:ext uri="{BB962C8B-B14F-4D97-AF65-F5344CB8AC3E}">
+        <p14:creationId xmlns:p14="http://schemas.microsoft.com/office/powerpoint/2010/main" val="2073434753"/>
+      </p:ext>
+    </p:extLst>
+  </p:cSld>
+  <p:clrMapOvr>
+    <a:masterClrMapping/>
+  </p:clrMapOvr>
+  <p:timing>
+    <p:tnLst>
+      <p:par>
+        <p:cTn id="1" dur="indefinite" restart="never" nodeType="tmRoot">
+          <p:childTnLst>
+            <p:seq concurrent="1" nextAc="seek">
+              <p:cTn id="2" dur="indefinite" nodeType="mainSeq">
+                <p:childTnLst>
+                  <p:par>
+                    <p:cTn id="3" fill="hold">
+                      <p:stCondLst>
+                        <p:cond delay="indefinite"/>
+                        <p:cond evt="onBegin" delay="0">
+                          <p:tn val="2"/>
+                        </p:cond>
+                      </p:stCondLst>
+                      <p:childTnLst>
+                        <p:par>
+                          <p:cTn id="4" fill="hold">
+                            <p:stCondLst>
+                              <p:cond delay="0"/>
+                            </p:stCondLst>
+                            <p:childTnLst>
+                              <p:par>
+                                <p:cTn id="5" presetID="10" presetClass="entr" presetSubtype="0" fill="hold" nodeType="withEffect">
+                                  <p:stCondLst>
+                                    <p:cond delay="0"/>
+                                  </p:stCondLst>
+                                  <p:childTnLst>
+                                    <p:set>
+                                      <p:cBhvr>
+                                        <p:cTn id="6" dur="1" fill="hold">
+                                          <p:stCondLst>
+                                            <p:cond delay="0"/>
+                                          </p:stCondLst>
+                                        </p:cTn>
+                                        <p:tgtEl>
+                                          <p:spTgt spid="230"/>
+                                        </p:tgtEl>
+                                        <p:attrNameLst>
+                                          <p:attrName>style.visibility</p:attrName>
+                                        </p:attrNameLst>
+                                      </p:cBhvr>
+                                      <p:to>
+                                        <p:strVal val="visible"/>
+                                      </p:to>
+                                    </p:set>
+                                    <p:animEffect transition="in" filter="fade">
+                                      <p:cBhvr>
+                                        <p:cTn id="7" dur="500"/>
+                                        <p:tgtEl>
+                                          <p:spTgt spid="230"/>
+                                        </p:tgtEl>
+                                      </p:cBhvr>
+                                    </p:animEffect>
+                                  </p:childTnLst>
+                                </p:cTn>
+                              </p:par>
+                            </p:childTnLst>
+                          </p:cTn>
+                        </p:par>
+                      </p:childTnLst>
+                    </p:cTn>
+                  </p:par>
+                </p:childTnLst>
+              </p:cTn>
+              <p:prevCondLst>
+                <p:cond evt="onPrev" delay="0">
+                  <p:tgtEl>
+                    <p:sldTgt/>
+                  </p:tgtEl>
+                </p:cond>
+              </p:prevCondLst>
+              <p:nextCondLst>
+                <p:cond evt="onNext" delay="0">
+                  <p:tgtEl>
+                    <p:sldTgt/>
+                  </p:tgtEl>
+                </p:cond>
+              </p:nextCondLst>
+            </p:seq>
+          </p:childTnLst>
+        </p:cTn>
+      </p:par>
+    </p:tnLst>
+  </p:timing>
+</p:sld>
+</file>
+
 <file path=ppt/slides/slide3.xml><?xml version="1.0" encoding="utf-8"?>
 <p:sld xmlns:a="http://schemas.openxmlformats.org/drawingml/2006/main" xmlns:r="http://schemas.openxmlformats.org/officeDocument/2006/relationships" xmlns:p="http://schemas.openxmlformats.org/presentationml/2006/main">
   <p:cSld>
